--- a/Kannan_QA_Chatbot_Assignment.pptx
+++ b/Kannan_QA_Chatbot_Assignment.pptx
@@ -5,22 +5,25 @@
     <p:sldMasterId id="2147483648" r:id="rId1"/>
   </p:sldMasterIdLst>
   <p:notesMasterIdLst>
-    <p:notesMasterId r:id="rId6"/>
+    <p:notesMasterId r:id="rId7"/>
   </p:notesMasterIdLst>
   <p:sldIdLst>
     <p:sldId id="256" r:id="rId3"/>
-    <p:sldId id="260" r:id="rId4"/>
-    <p:sldId id="257" r:id="rId5"/>
-    <p:sldId id="258" r:id="rId7"/>
-    <p:sldId id="263" r:id="rId8"/>
-    <p:sldId id="259" r:id="rId9"/>
-    <p:sldId id="261" r:id="rId10"/>
-    <p:sldId id="264" r:id="rId11"/>
-    <p:sldId id="265" r:id="rId12"/>
-    <p:sldId id="266" r:id="rId13"/>
-    <p:sldId id="267" r:id="rId14"/>
-    <p:sldId id="268" r:id="rId15"/>
-    <p:sldId id="269" r:id="rId16"/>
+    <p:sldId id="274" r:id="rId4"/>
+    <p:sldId id="273" r:id="rId5"/>
+    <p:sldId id="257" r:id="rId6"/>
+    <p:sldId id="260" r:id="rId8"/>
+    <p:sldId id="258" r:id="rId9"/>
+    <p:sldId id="259" r:id="rId10"/>
+    <p:sldId id="261" r:id="rId11"/>
+    <p:sldId id="264" r:id="rId12"/>
+    <p:sldId id="265" r:id="rId13"/>
+    <p:sldId id="266" r:id="rId14"/>
+    <p:sldId id="267" r:id="rId15"/>
+    <p:sldId id="276" r:id="rId16"/>
+    <p:sldId id="268" r:id="rId17"/>
+    <p:sldId id="275" r:id="rId18"/>
+    <p:sldId id="269" r:id="rId19"/>
   </p:sldIdLst>
   <p:sldSz cx="12192000" cy="6858000"/>
   <p:notesSz cx="6858000" cy="9144000"/>
@@ -3659,7 +3662,7 @@
             <a:pPr algn="ctr"/>
             <a:r>
               <a:rPr lang="en-US" sz="4800"/>
-              <a:t>Q&amp;A CHATBOT ASSIGNMENT</a:t>
+              <a:t>Q&amp;A CHATBOT PROJECT</a:t>
             </a:r>
             <a:endParaRPr lang="en-US" sz="4800"/>
           </a:p>
@@ -3703,6 +3706,54 @@
 </file>
 
 <file path=ppt/slides/slide10.xml><?xml version="1.0" encoding="utf-8"?>
+<p:sld xmlns:a="http://schemas.openxmlformats.org/drawingml/2006/main" xmlns:r="http://schemas.openxmlformats.org/officeDocument/2006/relationships" xmlns:p="http://schemas.openxmlformats.org/presentationml/2006/main">
+  <p:cSld>
+    <p:spTree>
+      <p:nvGrpSpPr>
+        <p:cNvPr id="1" name=""/>
+        <p:cNvGrpSpPr/>
+        <p:nvPr/>
+      </p:nvGrpSpPr>
+      <p:grpSpPr/>
+      <p:sp>
+        <p:nvSpPr>
+          <p:cNvPr id="3" name="Content Placeholder 2"/>
+          <p:cNvSpPr>
+            <a:spLocks noGrp="1"/>
+          </p:cNvSpPr>
+          <p:nvPr>
+            <p:ph idx="1"/>
+          </p:nvPr>
+        </p:nvSpPr>
+        <p:spPr>
+          <a:xfrm>
+            <a:off x="609600" y="2953385"/>
+            <a:ext cx="10972800" cy="812800"/>
+          </a:xfrm>
+        </p:spPr>
+        <p:txBody>
+          <a:bodyPr/>
+          <a:p>
+            <a:pPr marL="0" indent="0" algn="ctr">
+              <a:buNone/>
+            </a:pPr>
+            <a:r>
+              <a:rPr lang="en-US" sz="3600"/>
+              <a:t>CHATBOT - Q&amp;A EXAMPLES</a:t>
+            </a:r>
+            <a:endParaRPr lang="en-US" sz="3600"/>
+          </a:p>
+        </p:txBody>
+      </p:sp>
+    </p:spTree>
+  </p:cSld>
+  <p:clrMapOvr>
+    <a:masterClrMapping/>
+  </p:clrMapOvr>
+</p:sld>
+</file>
+
+<file path=ppt/slides/slide11.xml><?xml version="1.0" encoding="utf-8"?>
 <p:sld xmlns:a="http://schemas.openxmlformats.org/drawingml/2006/main" xmlns:r="http://schemas.openxmlformats.org/officeDocument/2006/relationships" xmlns:p="http://schemas.openxmlformats.org/presentationml/2006/main">
   <p:cSld>
     <p:spTree>
@@ -3833,7 +3884,7 @@
 </p:sld>
 </file>
 
-<file path=ppt/slides/slide11.xml><?xml version="1.0" encoding="utf-8"?>
+<file path=ppt/slides/slide12.xml><?xml version="1.0" encoding="utf-8"?>
 <p:sld xmlns:a="http://schemas.openxmlformats.org/drawingml/2006/main" xmlns:r="http://schemas.openxmlformats.org/officeDocument/2006/relationships" xmlns:p="http://schemas.openxmlformats.org/presentationml/2006/main">
   <p:cSld>
     <p:spTree>
@@ -3963,7 +4014,7 @@
 </p:sld>
 </file>
 
-<file path=ppt/slides/slide12.xml><?xml version="1.0" encoding="utf-8"?>
+<file path=ppt/slides/slide13.xml><?xml version="1.0" encoding="utf-8"?>
 <p:sld xmlns:a="http://schemas.openxmlformats.org/drawingml/2006/main" xmlns:r="http://schemas.openxmlformats.org/officeDocument/2006/relationships" xmlns:p="http://schemas.openxmlformats.org/presentationml/2006/main">
   <p:cSld>
     <p:spTree>
@@ -3987,12 +4038,11 @@
         <p:txBody>
           <a:bodyPr/>
           <a:p>
-            <a:pPr algn="ctr"/>
-            <a:r>
-              <a:rPr lang="en-US" sz="4400"/>
-              <a:t>RESOURCES USED</a:t>
-            </a:r>
-            <a:endParaRPr lang="en-US" sz="4400"/>
+            <a:r>
+              <a:rPr lang="en-US"/>
+              <a:t>Chatbot Deployment Information</a:t>
+            </a:r>
+            <a:endParaRPr lang="en-US"/>
           </a:p>
         </p:txBody>
       </p:sp>
@@ -4010,68 +4060,6 @@
         <p:txBody>
           <a:bodyPr/>
           <a:p>
-            <a:r>
-              <a:rPr lang="en-US">
-                <a:hlinkClick r:id="rId1" tooltip="" action="ppaction://hlinkfile"/>
-              </a:rPr>
-              <a:t>StreamLite</a:t>
-            </a:r>
-            <a:r>
-              <a:rPr lang="en-US"/>
-              <a:t> : Used for creating Chat Web UI</a:t>
-            </a:r>
-            <a:endParaRPr lang="en-US"/>
-          </a:p>
-          <a:p>
-            <a:r>
-              <a:rPr lang="en-US">
-                <a:hlinkClick r:id="rId2" tooltip="" action="ppaction://hlinkfile"/>
-              </a:rPr>
-              <a:t>LlamaParse</a:t>
-            </a:r>
-            <a:r>
-              <a:rPr lang="en-US"/>
-              <a:t> : To Extract Text From PDF</a:t>
-            </a:r>
-            <a:endParaRPr lang="en-US"/>
-          </a:p>
-          <a:p>
-            <a:r>
-              <a:rPr lang="en-US">
-                <a:hlinkClick r:id="rId3" tooltip="" action="ppaction://hlinkfile"/>
-              </a:rPr>
-              <a:t>Open AI</a:t>
-            </a:r>
-            <a:r>
-              <a:rPr lang="en-US"/>
-              <a:t> : For LLM model and Embeddings</a:t>
-            </a:r>
-            <a:endParaRPr lang="en-US"/>
-          </a:p>
-          <a:p>
-            <a:r>
-              <a:rPr lang="en-US">
-                <a:hlinkClick r:id="rId4" tooltip="" action="ppaction://hlinkfile"/>
-              </a:rPr>
-              <a:t>FAISS(Facebook AI Similarity Search)</a:t>
-            </a:r>
-            <a:r>
-              <a:rPr lang="en-US"/>
-              <a:t> : For Creating VectorStore and Checking Similarity</a:t>
-            </a:r>
-            <a:endParaRPr lang="en-US"/>
-          </a:p>
-          <a:p>
-            <a:r>
-              <a:rPr lang="en-US">
-                <a:hlinkClick r:id="rId5" tooltip="" action="ppaction://hlinkfile"/>
-              </a:rPr>
-              <a:t>LangChain</a:t>
-            </a:r>
-            <a:r>
-              <a:rPr lang="en-US"/>
-              <a:t> - For various extraction retrieval and generative utilities</a:t>
-            </a:r>
             <a:endParaRPr lang="en-US"/>
           </a:p>
         </p:txBody>
@@ -4084,7 +4072,186 @@
 </p:sld>
 </file>
 
-<file path=ppt/slides/slide13.xml><?xml version="1.0" encoding="utf-8"?>
+<file path=ppt/slides/slide14.xml><?xml version="1.0" encoding="utf-8"?>
+<p:sld xmlns:a="http://schemas.openxmlformats.org/drawingml/2006/main" xmlns:r="http://schemas.openxmlformats.org/officeDocument/2006/relationships" xmlns:p="http://schemas.openxmlformats.org/presentationml/2006/main">
+  <p:cSld>
+    <p:spTree>
+      <p:nvGrpSpPr>
+        <p:cNvPr id="1" name=""/>
+        <p:cNvGrpSpPr/>
+        <p:nvPr/>
+      </p:nvGrpSpPr>
+      <p:grpSpPr/>
+      <p:sp>
+        <p:nvSpPr>
+          <p:cNvPr id="2" name="Title 1"/>
+          <p:cNvSpPr>
+            <a:spLocks noGrp="1"/>
+          </p:cNvSpPr>
+          <p:nvPr>
+            <p:ph type="title"/>
+          </p:nvPr>
+        </p:nvSpPr>
+        <p:spPr/>
+        <p:txBody>
+          <a:bodyPr/>
+          <a:p>
+            <a:pPr algn="ctr"/>
+            <a:r>
+              <a:rPr lang="en-US" sz="4400"/>
+              <a:t>RESOURCES USED</a:t>
+            </a:r>
+            <a:endParaRPr lang="en-US" sz="4400"/>
+          </a:p>
+        </p:txBody>
+      </p:sp>
+      <p:sp>
+        <p:nvSpPr>
+          <p:cNvPr id="3" name="Content Placeholder 2"/>
+          <p:cNvSpPr>
+            <a:spLocks noGrp="1"/>
+          </p:cNvSpPr>
+          <p:nvPr>
+            <p:ph idx="1"/>
+          </p:nvPr>
+        </p:nvSpPr>
+        <p:spPr/>
+        <p:txBody>
+          <a:bodyPr/>
+          <a:p>
+            <a:r>
+              <a:rPr lang="en-US">
+                <a:hlinkClick r:id="rId1" action="ppaction://hlinkfile"/>
+              </a:rPr>
+              <a:t>StreamLite</a:t>
+            </a:r>
+            <a:r>
+              <a:rPr lang="en-US"/>
+              <a:t> : Used for creating Chat Web UI</a:t>
+            </a:r>
+            <a:endParaRPr lang="en-US"/>
+          </a:p>
+          <a:p>
+            <a:r>
+              <a:rPr lang="en-US">
+                <a:hlinkClick r:id="rId2" action="ppaction://hlinkfile"/>
+              </a:rPr>
+              <a:t>LlamaParse</a:t>
+            </a:r>
+            <a:r>
+              <a:rPr lang="en-US"/>
+              <a:t> : To Extract Text From PDF</a:t>
+            </a:r>
+            <a:endParaRPr lang="en-US"/>
+          </a:p>
+          <a:p>
+            <a:r>
+              <a:rPr lang="en-US">
+                <a:hlinkClick r:id="rId3" action="ppaction://hlinkfile"/>
+              </a:rPr>
+              <a:t>Open AI</a:t>
+            </a:r>
+            <a:r>
+              <a:rPr lang="en-US"/>
+              <a:t> : For LLM model and Embeddings</a:t>
+            </a:r>
+            <a:endParaRPr lang="en-US"/>
+          </a:p>
+          <a:p>
+            <a:r>
+              <a:rPr lang="en-US">
+                <a:hlinkClick r:id="rId4" action="ppaction://hlinkfile"/>
+              </a:rPr>
+              <a:t>FAISS(Facebook AI Similarity Search)</a:t>
+            </a:r>
+            <a:r>
+              <a:rPr lang="en-US"/>
+              <a:t> : For Creating VectorStore and Checking Similarity</a:t>
+            </a:r>
+            <a:endParaRPr lang="en-US"/>
+          </a:p>
+          <a:p>
+            <a:r>
+              <a:rPr lang="en-US">
+                <a:hlinkClick r:id="rId5" action="ppaction://hlinkfile"/>
+              </a:rPr>
+              <a:t>LangChain</a:t>
+            </a:r>
+            <a:r>
+              <a:rPr lang="en-US"/>
+              <a:t> - For various extraction retrieval and generative utilities</a:t>
+            </a:r>
+            <a:endParaRPr lang="en-US"/>
+          </a:p>
+        </p:txBody>
+      </p:sp>
+    </p:spTree>
+  </p:cSld>
+  <p:clrMapOvr>
+    <a:masterClrMapping/>
+  </p:clrMapOvr>
+</p:sld>
+</file>
+
+<file path=ppt/slides/slide15.xml><?xml version="1.0" encoding="utf-8"?>
+<p:sld xmlns:a="http://schemas.openxmlformats.org/drawingml/2006/main" xmlns:r="http://schemas.openxmlformats.org/officeDocument/2006/relationships" xmlns:p="http://schemas.openxmlformats.org/presentationml/2006/main">
+  <p:cSld>
+    <p:spTree>
+      <p:nvGrpSpPr>
+        <p:cNvPr id="1" name=""/>
+        <p:cNvGrpSpPr/>
+        <p:nvPr/>
+      </p:nvGrpSpPr>
+      <p:grpSpPr/>
+      <p:sp>
+        <p:nvSpPr>
+          <p:cNvPr id="2" name="Title 1"/>
+          <p:cNvSpPr>
+            <a:spLocks noGrp="1"/>
+          </p:cNvSpPr>
+          <p:nvPr>
+            <p:ph type="title"/>
+          </p:nvPr>
+        </p:nvSpPr>
+        <p:spPr/>
+        <p:txBody>
+          <a:bodyPr/>
+          <a:p>
+            <a:r>
+              <a:rPr lang="en-US"/>
+              <a:t>Challenges  and Limitations</a:t>
+            </a:r>
+            <a:endParaRPr lang="en-US"/>
+          </a:p>
+        </p:txBody>
+      </p:sp>
+      <p:sp>
+        <p:nvSpPr>
+          <p:cNvPr id="3" name="Content Placeholder 2"/>
+          <p:cNvSpPr>
+            <a:spLocks noGrp="1"/>
+          </p:cNvSpPr>
+          <p:nvPr>
+            <p:ph idx="1"/>
+          </p:nvPr>
+        </p:nvSpPr>
+        <p:spPr/>
+        <p:txBody>
+          <a:bodyPr/>
+          <a:p>
+            <a:endParaRPr lang="en-US"/>
+          </a:p>
+        </p:txBody>
+      </p:sp>
+    </p:spTree>
+  </p:cSld>
+  <p:clrMapOvr>
+    <a:masterClrMapping/>
+  </p:clrMapOvr>
+</p:sld>
+</file>
+
+<file path=ppt/slides/slide16.xml><?xml version="1.0" encoding="utf-8"?>
 <p:sld xmlns:a="http://schemas.openxmlformats.org/drawingml/2006/main" xmlns:r="http://schemas.openxmlformats.org/officeDocument/2006/relationships" xmlns:p="http://schemas.openxmlformats.org/presentationml/2006/main">
   <p:cSld>
     <p:spTree>
@@ -4158,10 +4325,10 @@
           <a:p>
             <a:pPr algn="ctr"/>
             <a:r>
-              <a:rPr lang="en-US" sz="4400"/>
-              <a:t>OVERALL APPROACH</a:t>
-            </a:r>
-            <a:endParaRPr lang="en-US" sz="4400"/>
+              <a:rPr lang="en-US"/>
+              <a:t>CONTENT</a:t>
+            </a:r>
+            <a:endParaRPr lang="en-US"/>
           </a:p>
         </p:txBody>
       </p:sp>
@@ -4179,34 +4346,23 @@
         <p:txBody>
           <a:bodyPr/>
           <a:p>
-            <a:pPr/>
             <a:r>
               <a:rPr lang="en-US"/>
-              <a:t>The RAG (Retrieval-Augmented Generation) approach is used.</a:t>
-            </a:r>
-            <a:endParaRPr lang="en-US"/>
-          </a:p>
-          <a:p>
-            <a:pPr/>
+              <a:t>Project </a:t>
+            </a:r>
+            <a:endParaRPr lang="en-US"/>
+          </a:p>
+          <a:p>
             <a:r>
               <a:rPr lang="en-US"/>
-              <a:t>Data source (PDF) is extracted, processed and stored as a vector store.</a:t>
-            </a:r>
-            <a:endParaRPr lang="en-US"/>
-          </a:p>
-          <a:p>
-            <a:pPr/>
+              <a:t>Overall Approach</a:t>
+            </a:r>
+            <a:endParaRPr lang="en-US"/>
+          </a:p>
+          <a:p>
             <a:r>
               <a:rPr lang="en-US"/>
-              <a:t>The required data for answering the question is retrieved from the vector store.</a:t>
-            </a:r>
-            <a:endParaRPr lang="en-US"/>
-          </a:p>
-          <a:p>
-            <a:pPr/>
-            <a:r>
-              <a:rPr lang="en-US"/>
-              <a:t>The retrieved data is passed as context to LLM from which the answer is found if present.</a:t>
+              <a:t>Data</a:t>
             </a:r>
             <a:endParaRPr lang="en-US"/>
           </a:p>
@@ -4244,12 +4400,7 @@
         <p:txBody>
           <a:bodyPr/>
           <a:p>
-            <a:pPr algn="ctr"/>
-            <a:r>
-              <a:rPr lang="en-US" sz="4400"/>
-              <a:t>DATA</a:t>
-            </a:r>
-            <a:endParaRPr lang="en-US" sz="4400"/>
+            <a:endParaRPr lang="en-US"/>
           </a:p>
         </p:txBody>
       </p:sp>
@@ -4263,129 +4414,15 @@
             <p:ph idx="1"/>
           </p:nvPr>
         </p:nvSpPr>
-        <p:spPr>
-          <a:xfrm>
-            <a:off x="609600" y="1104265"/>
-            <a:ext cx="10972800" cy="5553075"/>
-          </a:xfrm>
-        </p:spPr>
-        <p:txBody>
-          <a:bodyPr/>
-          <a:p>
-            <a:pPr algn="just">
-              <a:buFont typeface="Arial" panose="020B0604020202020204" pitchFamily="34" charset="0"/>
-              <a:buChar char="•"/>
-            </a:pPr>
-            <a:r>
-              <a:rPr lang="en-US" sz="2200"/>
-              <a:t>A 10-K is a comprehensive report filed annually by public companies about their financial performance.</a:t>
-            </a:r>
-            <a:endParaRPr lang="en-US" sz="2200"/>
-          </a:p>
-          <a:p>
-            <a:pPr algn="just">
-              <a:buFont typeface="Arial" panose="020B0604020202020204" pitchFamily="34" charset="0"/>
-              <a:buChar char="•"/>
-            </a:pPr>
-            <a:r>
-              <a:rPr lang="en-US" sz="2200"/>
-              <a:t>The 10-K includes five distinct sections:</a:t>
-            </a:r>
-            <a:endParaRPr lang="en-US" sz="2200"/>
-          </a:p>
-          <a:p>
-            <a:pPr lvl="1" algn="just">
-              <a:buFont typeface="Wingdings" panose="05000000000000000000" charset="0"/>
-              <a:buChar char="§"/>
-            </a:pPr>
-            <a:r>
-              <a:rPr lang="en-US" sz="2200" i="1"/>
-              <a:t>Business</a:t>
-            </a:r>
-            <a:r>
-              <a:rPr lang="en-US" sz="2200"/>
-              <a:t>: Overview of the company’s main operations, including its products and services.</a:t>
-            </a:r>
-            <a:endParaRPr lang="en-US" sz="2200"/>
-          </a:p>
-          <a:p>
-            <a:pPr lvl="1" algn="just">
-              <a:buFont typeface="Wingdings" panose="05000000000000000000" charset="0"/>
-              <a:buChar char="§"/>
-            </a:pPr>
-            <a:r>
-              <a:rPr lang="en-US" sz="2200" i="1"/>
-              <a:t>Risk Factors</a:t>
-            </a:r>
-            <a:r>
-              <a:rPr lang="en-US" sz="2200"/>
-              <a:t>: Risks the company faces or may face in the future. </a:t>
-            </a:r>
-            <a:endParaRPr lang="en-US" sz="2200"/>
-          </a:p>
-          <a:p>
-            <a:pPr lvl="1" algn="just">
-              <a:buFont typeface="Wingdings" panose="05000000000000000000" charset="0"/>
-              <a:buChar char="§"/>
-            </a:pPr>
-            <a:r>
-              <a:rPr lang="en-US" sz="2200" i="1"/>
-              <a:t>Selected Financial Data</a:t>
-            </a:r>
-            <a:r>
-              <a:rPr lang="en-US" sz="2200"/>
-              <a:t>: Financial information about the company over the last five years. This section presents more of a near-term view of the company’s recent performance.</a:t>
-            </a:r>
-            <a:endParaRPr lang="en-US" sz="2200"/>
-          </a:p>
-          <a:p>
-            <a:pPr lvl="1" algn="just">
-              <a:buFont typeface="Wingdings" panose="05000000000000000000" charset="0"/>
-              <a:buChar char="§"/>
-            </a:pPr>
-            <a:r>
-              <a:rPr lang="en-US" sz="2200" i="1"/>
-              <a:t>Management’s Discussion and Analysis</a:t>
-            </a:r>
-            <a:r>
-              <a:rPr lang="en-US" sz="2200"/>
-              <a:t>: Explain its business results from the previous fiscal year. This section is where the company can tell its story in its own words.</a:t>
-            </a:r>
-            <a:endParaRPr lang="en-US" sz="2200"/>
-          </a:p>
-          <a:p>
-            <a:pPr lvl="1" algn="just">
-              <a:buFont typeface="Wingdings" panose="05000000000000000000" charset="0"/>
-              <a:buChar char="§"/>
-            </a:pPr>
-            <a:r>
-              <a:rPr lang="en-US" sz="2200" i="1"/>
-              <a:t>Financial Statements and Supplementary Data</a:t>
-            </a:r>
-            <a:r>
-              <a:rPr lang="en-US" sz="2200"/>
-              <a:t>:</a:t>
-            </a:r>
-            <a:r>
-              <a:rPr lang="en-US" sz="2200" b="1"/>
-              <a:t> </a:t>
-            </a:r>
-            <a:r>
-              <a:rPr lang="en-US" sz="2200"/>
-              <a:t>Audited financial statements including the income statement, balance sheets, and statement of cash flows. </a:t>
-            </a:r>
-            <a:endParaRPr lang="en-US" sz="2200"/>
-          </a:p>
-          <a:p>
-            <a:pPr lvl="0" algn="just">
-              <a:buFont typeface="Arial" panose="020B0604020202020204" pitchFamily="34" charset="0"/>
-              <a:buChar char="•"/>
-            </a:pPr>
-            <a:r>
-              <a:rPr lang="en-US" sz="2200"/>
-              <a:t>PDF reports of 10 companies are used for the demo.</a:t>
-            </a:r>
-            <a:endParaRPr lang="en-US" sz="2200"/>
+        <p:spPr/>
+        <p:txBody>
+          <a:bodyPr/>
+          <a:p>
+            <a:r>
+              <a:rPr lang="en-US"/>
+              <a:t>mention what the assignment was</a:t>
+            </a:r>
+            <a:endParaRPr lang="en-US"/>
           </a:p>
         </p:txBody>
       </p:sp>
@@ -4423,41 +4460,181 @@
           <a:p>
             <a:pPr algn="ctr"/>
             <a:r>
-              <a:rPr lang="en-US"/>
-              <a:t>FLOW DIAGRAM</a:t>
-            </a:r>
-            <a:endParaRPr lang="en-US"/>
-          </a:p>
-        </p:txBody>
-      </p:sp>
-      <p:pic>
-        <p:nvPicPr>
-          <p:cNvPr id="4" name="Picture 3"/>
-          <p:cNvPicPr>
-            <a:picLocks noChangeAspect="1"/>
-          </p:cNvPicPr>
-          <p:nvPr>
-            <p:custDataLst>
-              <p:tags r:id="rId1"/>
-            </p:custDataLst>
-          </p:nvPr>
-        </p:nvPicPr>
-        <p:blipFill>
-          <a:blip r:embed="rId2"/>
-          <a:stretch>
-            <a:fillRect/>
-          </a:stretch>
-        </p:blipFill>
+              <a:rPr lang="en-US" sz="4400"/>
+              <a:t>DATA</a:t>
+            </a:r>
+            <a:endParaRPr lang="en-US" sz="4400"/>
+          </a:p>
+        </p:txBody>
+      </p:sp>
+      <p:sp>
+        <p:nvSpPr>
+          <p:cNvPr id="3" name="Content Placeholder 2"/>
+          <p:cNvSpPr>
+            <a:spLocks noGrp="1"/>
+          </p:cNvSpPr>
+          <p:nvPr>
+            <p:ph idx="1"/>
+          </p:nvPr>
+        </p:nvSpPr>
         <p:spPr>
           <a:xfrm>
-            <a:off x="1398905" y="959485"/>
-            <a:ext cx="9780905" cy="5608955"/>
+            <a:off x="609600" y="1304925"/>
+            <a:ext cx="10972800" cy="5553075"/>
           </a:xfrm>
-          <a:prstGeom prst="rect">
-            <a:avLst/>
-          </a:prstGeom>
         </p:spPr>
-      </p:pic>
+        <p:txBody>
+          <a:bodyPr/>
+          <a:p>
+            <a:pPr algn="just">
+              <a:buFont typeface="Arial" panose="020B0604020202020204" pitchFamily="34" charset="0"/>
+              <a:buChar char="•"/>
+            </a:pPr>
+            <a:r>
+              <a:rPr lang="en-US" sz="2000">
+                <a:solidFill>
+                  <a:srgbClr val="FF0000"/>
+                </a:solidFill>
+              </a:rPr>
+              <a:t>Financial report considered for the project is 10-K Report which is a comprehensive report filed annually by public companies to showcase their financial performance.</a:t>
+            </a:r>
+            <a:endParaRPr lang="en-US" sz="2000">
+              <a:solidFill>
+                <a:srgbClr val="FF0000"/>
+              </a:solidFill>
+            </a:endParaRPr>
+          </a:p>
+          <a:p>
+            <a:pPr algn="just">
+              <a:buFont typeface="Arial" panose="020B0604020202020204" pitchFamily="34" charset="0"/>
+              <a:buChar char="•"/>
+            </a:pPr>
+            <a:r>
+              <a:rPr lang="en-US" sz="2000"/>
+              <a:t>The 10-K includes five distinct sections:</a:t>
+            </a:r>
+            <a:endParaRPr lang="en-US" sz="2000"/>
+          </a:p>
+          <a:p>
+            <a:pPr lvl="1" algn="just">
+              <a:buFont typeface="Wingdings" panose="05000000000000000000" charset="0"/>
+              <a:buChar char="§"/>
+            </a:pPr>
+            <a:r>
+              <a:rPr lang="en-US" sz="2000" b="1" i="1"/>
+              <a:t>Business</a:t>
+            </a:r>
+            <a:r>
+              <a:rPr lang="en-US" sz="2000"/>
+              <a:t>: Overview of the company’s main operations, including its products and services.</a:t>
+            </a:r>
+            <a:endParaRPr lang="en-US" sz="2000"/>
+          </a:p>
+          <a:p>
+            <a:pPr lvl="1" algn="just">
+              <a:buFont typeface="Wingdings" panose="05000000000000000000" charset="0"/>
+              <a:buChar char="§"/>
+            </a:pPr>
+            <a:r>
+              <a:rPr lang="en-US" sz="2000" i="1"/>
+              <a:t>Risk Factors</a:t>
+            </a:r>
+            <a:r>
+              <a:rPr lang="en-US" sz="2000"/>
+              <a:t>: Risks the company faces or may face in the future. </a:t>
+            </a:r>
+            <a:endParaRPr lang="en-US" sz="2000"/>
+          </a:p>
+          <a:p>
+            <a:pPr lvl="1" algn="just">
+              <a:buFont typeface="Wingdings" panose="05000000000000000000" charset="0"/>
+              <a:buChar char="§"/>
+            </a:pPr>
+            <a:r>
+              <a:rPr lang="en-US" sz="2000" i="1"/>
+              <a:t>Selected Financial Data</a:t>
+            </a:r>
+            <a:r>
+              <a:rPr lang="en-US" sz="2000"/>
+              <a:t>: Financial information about the company over the last five years </a:t>
+            </a:r>
+            <a:r>
+              <a:rPr lang="en-US" sz="2000">
+                <a:solidFill>
+                  <a:srgbClr val="FF0000"/>
+                </a:solidFill>
+              </a:rPr>
+              <a:t>(mention yr)</a:t>
+            </a:r>
+            <a:r>
+              <a:rPr lang="en-US" sz="2000"/>
+              <a:t>. This section presents more of a near-term view of the company’s recent performance.</a:t>
+            </a:r>
+            <a:endParaRPr lang="en-US" sz="2000"/>
+          </a:p>
+          <a:p>
+            <a:pPr lvl="1" algn="just">
+              <a:buFont typeface="Wingdings" panose="05000000000000000000" charset="0"/>
+              <a:buChar char="§"/>
+            </a:pPr>
+            <a:r>
+              <a:rPr lang="en-US" sz="2000" i="1"/>
+              <a:t>Management’s Discussion and Analysis</a:t>
+            </a:r>
+            <a:r>
+              <a:rPr lang="en-US" sz="2000"/>
+              <a:t>: Explain its business results from the previous fiscal year. This section is where the company can tell its story in its own words.</a:t>
+            </a:r>
+            <a:endParaRPr lang="en-US" sz="2000"/>
+          </a:p>
+          <a:p>
+            <a:pPr lvl="1" algn="just">
+              <a:buFont typeface="Wingdings" panose="05000000000000000000" charset="0"/>
+              <a:buChar char="§"/>
+            </a:pPr>
+            <a:r>
+              <a:rPr lang="en-US" sz="2000" i="1"/>
+              <a:t>Financial Statements and Supplementary Data</a:t>
+            </a:r>
+            <a:r>
+              <a:rPr lang="en-US" sz="2000"/>
+              <a:t>:</a:t>
+            </a:r>
+            <a:r>
+              <a:rPr lang="en-US" sz="2000" b="1"/>
+              <a:t> </a:t>
+            </a:r>
+            <a:r>
+              <a:rPr lang="en-US" sz="2000"/>
+              <a:t>Audited financial statements including the income statement, balance sheets, and statement of cash flows. </a:t>
+            </a:r>
+            <a:endParaRPr lang="en-US" sz="2000"/>
+          </a:p>
+          <a:p>
+            <a:pPr lvl="0" algn="just">
+              <a:buFont typeface="Arial" panose="020B0604020202020204" pitchFamily="34" charset="0"/>
+              <a:buChar char="•"/>
+            </a:pPr>
+            <a:r>
+              <a:rPr lang="en-US" sz="2000"/>
+              <a:t>Sample size: 10-K Report (PDF format) of 10 firms are considered. </a:t>
+            </a:r>
+            <a:r>
+              <a:rPr lang="en-US" sz="2000">
+                <a:solidFill>
+                  <a:srgbClr val="FF0000"/>
+                </a:solidFill>
+              </a:rPr>
+              <a:t>mention the firms and how you arrived at considering these firms. why not same sector</a:t>
+            </a:r>
+            <a:endParaRPr lang="en-US" sz="2000">
+              <a:solidFill>
+                <a:srgbClr val="FF0000"/>
+              </a:solidFill>
+            </a:endParaRPr>
+          </a:p>
+        </p:txBody>
+      </p:sp>
     </p:spTree>
   </p:cSld>
   <p:clrMapOvr>
@@ -4478,6 +4655,29 @@
       <p:grpSpPr/>
       <p:sp>
         <p:nvSpPr>
+          <p:cNvPr id="2" name="Title 1"/>
+          <p:cNvSpPr>
+            <a:spLocks noGrp="1"/>
+          </p:cNvSpPr>
+          <p:nvPr>
+            <p:ph type="title"/>
+          </p:nvPr>
+        </p:nvSpPr>
+        <p:spPr/>
+        <p:txBody>
+          <a:bodyPr/>
+          <a:p>
+            <a:pPr algn="ctr"/>
+            <a:r>
+              <a:rPr lang="en-US" sz="4400"/>
+              <a:t>OVERALL APPROACH</a:t>
+            </a:r>
+            <a:endParaRPr lang="en-US" sz="4400"/>
+          </a:p>
+        </p:txBody>
+      </p:sp>
+      <p:sp>
+        <p:nvSpPr>
           <p:cNvPr id="3" name="Content Placeholder 2"/>
           <p:cNvSpPr>
             <a:spLocks noGrp="1"/>
@@ -4488,21 +4688,57 @@
         </p:nvSpPr>
         <p:spPr>
           <a:xfrm>
-            <a:off x="975995" y="3117850"/>
-            <a:ext cx="10108565" cy="772795"/>
+            <a:off x="1611630" y="1774825"/>
+            <a:ext cx="8968105" cy="4953000"/>
           </a:xfrm>
         </p:spPr>
         <p:txBody>
           <a:bodyPr/>
           <a:p>
-            <a:pPr marL="0" indent="0" algn="ctr">
+            <a:r>
+              <a:rPr lang="en-US" sz="2200"/>
+              <a:t>RAG (Retrieval-Augmented Generation) approach is used.</a:t>
+            </a:r>
+            <a:endParaRPr lang="en-US" sz="2200"/>
+          </a:p>
+          <a:p>
+            <a:pPr marL="0" indent="0">
               <a:buNone/>
             </a:pPr>
-            <a:r>
-              <a:rPr lang="en-US" sz="3600"/>
-              <a:t>FLOW DIAGRAM EXPLAINED</a:t>
-            </a:r>
-            <a:endParaRPr lang="en-US" sz="3600"/>
+            <a:endParaRPr lang="en-US" sz="2200"/>
+          </a:p>
+          <a:p>
+            <a:r>
+              <a:rPr lang="en-US" sz="2200"/>
+              <a:t>Data source (PDF) is extracted, processed and stored as a vector store.</a:t>
+            </a:r>
+            <a:endParaRPr lang="en-US" sz="2200"/>
+          </a:p>
+          <a:p>
+            <a:pPr marL="0" indent="0">
+              <a:buNone/>
+            </a:pPr>
+            <a:endParaRPr lang="en-US" sz="2200"/>
+          </a:p>
+          <a:p>
+            <a:r>
+              <a:rPr lang="en-US" sz="2200"/>
+              <a:t>The required data for answering the question is retrieved from the vector store.</a:t>
+            </a:r>
+            <a:endParaRPr lang="en-US" sz="2200"/>
+          </a:p>
+          <a:p>
+            <a:pPr marL="0" indent="0">
+              <a:buNone/>
+            </a:pPr>
+            <a:endParaRPr lang="en-US" sz="2200"/>
+          </a:p>
+          <a:p>
+            <a:r>
+              <a:rPr lang="en-US" sz="2200"/>
+              <a:t>The retrieved data is passed as context to LLM from which the answer is found, if present.</a:t>
+            </a:r>
+            <a:endParaRPr lang="en-US" sz="2200"/>
           </a:p>
         </p:txBody>
       </p:sp>
@@ -4540,61 +4776,75 @@
           <a:p>
             <a:pPr algn="ctr"/>
             <a:r>
-              <a:rPr lang="en-US" sz="4400"/>
-              <a:t>INDEXING</a:t>
-            </a:r>
-            <a:endParaRPr lang="en-US" sz="4400"/>
-          </a:p>
-        </p:txBody>
-      </p:sp>
-      <p:sp>
-        <p:nvSpPr>
-          <p:cNvPr id="3" name="Content Placeholder 2"/>
-          <p:cNvSpPr>
-            <a:spLocks noGrp="1"/>
-          </p:cNvSpPr>
-          <p:nvPr>
-            <p:ph idx="1"/>
-          </p:nvPr>
-        </p:nvSpPr>
+              <a:rPr lang="en-US"/>
+              <a:t>FLOW DIGRAM</a:t>
+            </a:r>
+            <a:endParaRPr lang="en-US"/>
+          </a:p>
+        </p:txBody>
+      </p:sp>
+      <p:pic>
+        <p:nvPicPr>
+          <p:cNvPr id="4" name="Picture 3"/>
+          <p:cNvPicPr>
+            <a:picLocks noChangeAspect="1"/>
+          </p:cNvPicPr>
+          <p:nvPr>
+            <p:custDataLst>
+              <p:tags r:id="rId1"/>
+            </p:custDataLst>
+          </p:nvPr>
+        </p:nvPicPr>
+        <p:blipFill>
+          <a:blip r:embed="rId2"/>
+          <a:stretch>
+            <a:fillRect/>
+          </a:stretch>
+        </p:blipFill>
         <p:spPr>
           <a:xfrm>
-            <a:off x="609600" y="1144905"/>
-            <a:ext cx="10972800" cy="4982845"/>
+            <a:off x="1398905" y="959485"/>
+            <a:ext cx="9780905" cy="5608955"/>
           </a:xfrm>
+          <a:prstGeom prst="rect">
+            <a:avLst/>
+          </a:prstGeom>
         </p:spPr>
-        <p:txBody>
-          <a:bodyPr/>
-          <a:p>
-            <a:r>
-              <a:rPr lang="en-US"/>
-              <a:t>PDF extracted to markdown format using LlamaParse API.</a:t>
-            </a:r>
-            <a:endParaRPr lang="en-US"/>
-          </a:p>
-          <a:p>
-            <a:r>
-              <a:rPr lang="en-US"/>
-              <a:t>Extracted text split to multiple chunk sizes using Langchains RecursiveCharacterTextSplitter</a:t>
-            </a:r>
-            <a:endParaRPr lang="en-US"/>
-          </a:p>
-          <a:p>
-            <a:r>
-              <a:rPr lang="en-US"/>
-              <a:t>The text chunks are converted to vector store by FAISS using OpenAI Embeddings.</a:t>
-            </a:r>
-            <a:endParaRPr lang="en-US"/>
-          </a:p>
-          <a:p>
-            <a:r>
-              <a:rPr lang="en-US"/>
-              <a:t>The created vector store are saved for next step.</a:t>
-            </a:r>
-            <a:endParaRPr lang="en-US"/>
-          </a:p>
-          <a:p>
-            <a:endParaRPr lang="en-US"/>
+      </p:pic>
+      <p:sp>
+        <p:nvSpPr>
+          <p:cNvPr id="6" name="Text Box 5"/>
+          <p:cNvSpPr txBox="1"/>
+          <p:nvPr/>
+        </p:nvSpPr>
+        <p:spPr>
+          <a:xfrm>
+            <a:off x="9352915" y="6551295"/>
+            <a:ext cx="3958590" cy="306705"/>
+          </a:xfrm>
+          <a:prstGeom prst="rect">
+            <a:avLst/>
+          </a:prstGeom>
+          <a:noFill/>
+        </p:spPr>
+        <p:txBody>
+          <a:bodyPr wrap="square" rtlCol="0">
+            <a:spAutoFit/>
+          </a:bodyPr>
+          <a:p>
+            <a:r>
+              <a:rPr lang="en-US" sz="1400">
+                <a:solidFill>
+                  <a:srgbClr val="FF0000"/>
+                </a:solidFill>
+              </a:rPr>
+              <a:t>Credits: mention website link</a:t>
+            </a:r>
+            <a:endParaRPr lang="en-US" sz="1400">
+              <a:solidFill>
+                <a:srgbClr val="FF0000"/>
+              </a:solidFill>
+            </a:endParaRPr>
           </a:p>
         </p:txBody>
       </p:sp>
@@ -4632,10 +4882,10 @@
           <a:p>
             <a:pPr algn="ctr"/>
             <a:r>
-              <a:rPr lang="en-US" sz="4400"/>
-              <a:t>RETRIEVAL</a:t>
-            </a:r>
-            <a:endParaRPr lang="en-US" sz="4400"/>
+              <a:rPr lang="en-US"/>
+              <a:t>FLOW DIAGRAM - INDEXING</a:t>
+            </a:r>
+            <a:endParaRPr lang="en-US"/>
           </a:p>
         </p:txBody>
       </p:sp>
@@ -4649,40 +4899,62 @@
             <p:ph idx="1"/>
           </p:nvPr>
         </p:nvSpPr>
-        <p:spPr/>
-        <p:txBody>
-          <a:bodyPr/>
-          <a:p>
-            <a:pPr algn="just"/>
-            <a:r>
-              <a:rPr lang="en-US" sz="3000"/>
-              <a:t>The user question is formatted to avoid spelling and grammar mistakes.</a:t>
-            </a:r>
-            <a:endParaRPr lang="en-US" sz="3000"/>
-          </a:p>
-          <a:p>
-            <a:pPr algn="just"/>
-            <a:r>
-              <a:rPr lang="en-US" sz="3000"/>
-              <a:t>NER operation is performed to get all of the organization's names from the question. Organizations should be from 10 supported ones.</a:t>
-            </a:r>
-            <a:endParaRPr lang="en-US" sz="3000"/>
-          </a:p>
-          <a:p>
-            <a:pPr algn="just"/>
-            <a:r>
-              <a:rPr lang="en-US" sz="3000"/>
-              <a:t>Corresponding vector stores of organizations present in the question are loaded to memory.</a:t>
-            </a:r>
-            <a:endParaRPr lang="en-US" sz="3000"/>
-          </a:p>
-          <a:p>
-            <a:pPr algn="just"/>
-            <a:r>
-              <a:rPr lang="en-US" sz="3000"/>
-              <a:t>FAISS similarity_search is used to retrieve the docs that are most similar to the question. The retrieved docs will be used in the next step.</a:t>
-            </a:r>
-            <a:endParaRPr lang="en-US" sz="3000"/>
+        <p:spPr>
+          <a:xfrm>
+            <a:off x="1891665" y="1470025"/>
+            <a:ext cx="9690735" cy="4982845"/>
+          </a:xfrm>
+        </p:spPr>
+        <p:txBody>
+          <a:bodyPr/>
+          <a:p>
+            <a:r>
+              <a:rPr lang="en-US" sz="2200"/>
+              <a:t>PDF extracted to markdown format using LlamaParse API.</a:t>
+            </a:r>
+            <a:endParaRPr lang="en-US" sz="2200"/>
+          </a:p>
+          <a:p>
+            <a:pPr marL="0" indent="0">
+              <a:buNone/>
+            </a:pPr>
+            <a:endParaRPr lang="en-US" sz="2200"/>
+          </a:p>
+          <a:p>
+            <a:r>
+              <a:rPr lang="en-US" sz="2200"/>
+              <a:t>Extracted text split to multiple chunk sizes using Langchains RecursiveCharacterTextSplitter</a:t>
+            </a:r>
+            <a:endParaRPr lang="en-US" sz="2200"/>
+          </a:p>
+          <a:p>
+            <a:pPr marL="0" indent="0">
+              <a:buNone/>
+            </a:pPr>
+            <a:endParaRPr lang="en-US" sz="2200"/>
+          </a:p>
+          <a:p>
+            <a:r>
+              <a:rPr lang="en-US" sz="2200"/>
+              <a:t>The text chunks are converted to vector store by FAISS using OpenAI Embeddings.</a:t>
+            </a:r>
+            <a:endParaRPr lang="en-US" sz="2200"/>
+          </a:p>
+          <a:p>
+            <a:pPr marL="0" indent="0">
+              <a:buNone/>
+            </a:pPr>
+            <a:endParaRPr lang="en-US" sz="2200"/>
+          </a:p>
+          <a:p>
+            <a:r>
+              <a:rPr lang="en-US" sz="2200"/>
+              <a:t>The created vector store are saved for next step.</a:t>
+            </a:r>
+            <a:endParaRPr lang="en-US" sz="2200"/>
+          </a:p>
+          <a:p>
+            <a:endParaRPr lang="en-US" sz="2200"/>
           </a:p>
         </p:txBody>
       </p:sp>
@@ -4721,7 +4993,7 @@
             <a:pPr algn="ctr"/>
             <a:r>
               <a:rPr lang="en-US" sz="4400"/>
-              <a:t>GENERATION</a:t>
+              <a:t>RETRIEVAL</a:t>
             </a:r>
             <a:endParaRPr lang="en-US" sz="4400"/>
           </a:p>
@@ -4741,39 +5013,36 @@
         <p:txBody>
           <a:bodyPr/>
           <a:p>
-            <a:r>
-              <a:rPr lang="en-US"/>
-              <a:t>Langchain ‘load_qa_chain’ designed for retrieval-based  QA is used.</a:t>
-            </a:r>
-            <a:endParaRPr lang="en-US"/>
-          </a:p>
-          <a:p>
-            <a:r>
-              <a:rPr lang="en-US"/>
-              <a:t>The model used in Open AI "gpt-3.5-turbo"</a:t>
-            </a:r>
-            <a:endParaRPr lang="en-US"/>
-          </a:p>
-          <a:p>
-            <a:r>
-              <a:rPr lang="en-US"/>
-              <a:t>A prompt is created with details like context and input. The “Do not makeup answers” clause is mentioned to avoid hallucinations</a:t>
-            </a:r>
-            <a:endParaRPr lang="en-US"/>
-          </a:p>
-          <a:p>
-            <a:r>
-              <a:rPr lang="en-US"/>
-              <a:t>Retrieved docs + chat history is passed as context to LLM</a:t>
-            </a:r>
-            <a:endParaRPr lang="en-US"/>
-          </a:p>
-          <a:p>
-            <a:r>
-              <a:rPr lang="en-US"/>
-              <a:t>LLM generates answers with data in the provided context.</a:t>
-            </a:r>
-            <a:endParaRPr lang="en-US"/>
+            <a:pPr algn="just"/>
+            <a:r>
+              <a:rPr lang="en-US" sz="3000"/>
+              <a:t>The user question is formatted to avoid spelling and grammar mistakes.</a:t>
+            </a:r>
+            <a:endParaRPr lang="en-US" sz="3000"/>
+          </a:p>
+          <a:p>
+            <a:pPr algn="just"/>
+            <a:r>
+              <a:rPr lang="en-US" sz="3000"/>
+              <a:t>NER operation is performed to get all of the organization's names from the question. Organizations should be from 10 supported ones.</a:t>
+            </a:r>
+            <a:endParaRPr lang="en-US" sz="3000"/>
+          </a:p>
+          <a:p>
+            <a:pPr algn="just"/>
+            <a:r>
+              <a:rPr lang="en-US" sz="3000"/>
+              <a:t>Corresponding vector stores of organizations present in the question are loaded to memory.</a:t>
+            </a:r>
+            <a:endParaRPr lang="en-US" sz="3000"/>
+          </a:p>
+          <a:p>
+            <a:pPr algn="just"/>
+            <a:r>
+              <a:rPr lang="en-US" sz="3000"/>
+              <a:t>FAISS similarity_search is used to retrieve the docs that are most similar to the question. The retrieved docs will be used in the next step.</a:t>
+            </a:r>
+            <a:endParaRPr lang="en-US" sz="3000"/>
           </a:p>
         </p:txBody>
       </p:sp>
@@ -4797,6 +5066,29 @@
       <p:grpSpPr/>
       <p:sp>
         <p:nvSpPr>
+          <p:cNvPr id="2" name="Title 1"/>
+          <p:cNvSpPr>
+            <a:spLocks noGrp="1"/>
+          </p:cNvSpPr>
+          <p:nvPr>
+            <p:ph type="title"/>
+          </p:nvPr>
+        </p:nvSpPr>
+        <p:spPr/>
+        <p:txBody>
+          <a:bodyPr/>
+          <a:p>
+            <a:pPr algn="ctr"/>
+            <a:r>
+              <a:rPr lang="en-US" sz="4400"/>
+              <a:t>GENERATION</a:t>
+            </a:r>
+            <a:endParaRPr lang="en-US" sz="4400"/>
+          </a:p>
+        </p:txBody>
+      </p:sp>
+      <p:sp>
+        <p:nvSpPr>
           <p:cNvPr id="3" name="Content Placeholder 2"/>
           <p:cNvSpPr>
             <a:spLocks noGrp="1"/>
@@ -4805,23 +5097,43 @@
             <p:ph idx="1"/>
           </p:nvPr>
         </p:nvSpPr>
-        <p:spPr>
-          <a:xfrm>
-            <a:off x="609600" y="2953385"/>
-            <a:ext cx="10972800" cy="812800"/>
-          </a:xfrm>
-        </p:spPr>
-        <p:txBody>
-          <a:bodyPr/>
-          <a:p>
-            <a:pPr marL="0" indent="0" algn="ctr">
-              <a:buNone/>
-            </a:pPr>
-            <a:r>
-              <a:rPr lang="en-US" sz="3600"/>
-              <a:t>EXAMPLES</a:t>
-            </a:r>
-            <a:endParaRPr lang="en-US" sz="3600"/>
+        <p:spPr/>
+        <p:txBody>
+          <a:bodyPr/>
+          <a:p>
+            <a:r>
+              <a:rPr lang="en-US"/>
+              <a:t>Langchain ‘load_qa_chain’ designed for retrieval-based  QA is used.</a:t>
+            </a:r>
+            <a:endParaRPr lang="en-US"/>
+          </a:p>
+          <a:p>
+            <a:r>
+              <a:rPr lang="en-US"/>
+              <a:t>The model used in Open AI "gpt-3.5-turbo"</a:t>
+            </a:r>
+            <a:endParaRPr lang="en-US"/>
+          </a:p>
+          <a:p>
+            <a:r>
+              <a:rPr lang="en-US"/>
+              <a:t>A prompt is created with details like context and input. The “Do not makeup answers” clause is mentioned to avoid hallucinations</a:t>
+            </a:r>
+            <a:endParaRPr lang="en-US"/>
+          </a:p>
+          <a:p>
+            <a:r>
+              <a:rPr lang="en-US"/>
+              <a:t>Retrieved docs + chat history is passed as context to LLM</a:t>
+            </a:r>
+            <a:endParaRPr lang="en-US"/>
+          </a:p>
+          <a:p>
+            <a:r>
+              <a:rPr lang="en-US"/>
+              <a:t>LLM generates answers with data in the provided context.</a:t>
+            </a:r>
+            <a:endParaRPr lang="en-US"/>
           </a:p>
         </p:txBody>
       </p:sp>

--- a/Kannan_QA_Chatbot_Assignment.pptx
+++ b/Kannan_QA_Chatbot_Assignment.pptx
@@ -12,18 +12,20 @@
     <p:sldId id="274" r:id="rId4"/>
     <p:sldId id="273" r:id="rId5"/>
     <p:sldId id="257" r:id="rId6"/>
-    <p:sldId id="260" r:id="rId8"/>
-    <p:sldId id="258" r:id="rId9"/>
-    <p:sldId id="259" r:id="rId10"/>
-    <p:sldId id="261" r:id="rId11"/>
-    <p:sldId id="264" r:id="rId12"/>
-    <p:sldId id="265" r:id="rId13"/>
-    <p:sldId id="266" r:id="rId14"/>
-    <p:sldId id="267" r:id="rId15"/>
-    <p:sldId id="276" r:id="rId16"/>
-    <p:sldId id="268" r:id="rId17"/>
-    <p:sldId id="275" r:id="rId18"/>
-    <p:sldId id="269" r:id="rId19"/>
+    <p:sldId id="290" r:id="rId8"/>
+    <p:sldId id="260" r:id="rId9"/>
+    <p:sldId id="258" r:id="rId10"/>
+    <p:sldId id="259" r:id="rId11"/>
+    <p:sldId id="261" r:id="rId12"/>
+    <p:sldId id="264" r:id="rId13"/>
+    <p:sldId id="265" r:id="rId14"/>
+    <p:sldId id="266" r:id="rId15"/>
+    <p:sldId id="267" r:id="rId16"/>
+    <p:sldId id="276" r:id="rId17"/>
+    <p:sldId id="268" r:id="rId18"/>
+    <p:sldId id="275" r:id="rId19"/>
+    <p:sldId id="303" r:id="rId20"/>
+    <p:sldId id="269" r:id="rId21"/>
   </p:sldIdLst>
   <p:sldSz cx="12192000" cy="6858000"/>
   <p:notesSz cx="6858000" cy="9144000"/>
@@ -3717,6 +3719,35 @@
       <p:grpSpPr/>
       <p:sp>
         <p:nvSpPr>
+          <p:cNvPr id="2" name="Title 1"/>
+          <p:cNvSpPr>
+            <a:spLocks noGrp="1"/>
+          </p:cNvSpPr>
+          <p:nvPr>
+            <p:ph type="title"/>
+          </p:nvPr>
+        </p:nvSpPr>
+        <p:spPr/>
+        <p:txBody>
+          <a:bodyPr/>
+          <a:p>
+            <a:pPr algn="ctr"/>
+            <a:r>
+              <a:rPr lang="en-US" sz="3400">
+                <a:sym typeface="+mn-ea"/>
+              </a:rPr>
+              <a:t>FLOW DIAGRAM - </a:t>
+            </a:r>
+            <a:r>
+              <a:rPr lang="en-US" sz="3400"/>
+              <a:t>GENERATION</a:t>
+            </a:r>
+            <a:endParaRPr lang="en-US" sz="3400"/>
+          </a:p>
+        </p:txBody>
+      </p:sp>
+      <p:sp>
+        <p:nvSpPr>
           <p:cNvPr id="3" name="Content Placeholder 2"/>
           <p:cNvSpPr>
             <a:spLocks noGrp="1"/>
@@ -3727,21 +3758,55 @@
         </p:nvSpPr>
         <p:spPr>
           <a:xfrm>
-            <a:off x="609600" y="2953385"/>
-            <a:ext cx="10972800" cy="812800"/>
+            <a:off x="1640840" y="1472565"/>
+            <a:ext cx="8951595" cy="4761230"/>
           </a:xfrm>
         </p:spPr>
         <p:txBody>
           <a:bodyPr/>
           <a:p>
-            <a:pPr marL="0" indent="0" algn="ctr">
-              <a:buNone/>
-            </a:pPr>
-            <a:r>
-              <a:rPr lang="en-US" sz="3600"/>
-              <a:t>CHATBOT - Q&amp;A EXAMPLES</a:t>
-            </a:r>
-            <a:endParaRPr lang="en-US" sz="3600"/>
+            <a:pPr algn="just"/>
+            <a:r>
+              <a:rPr lang="en-US" sz="2200"/>
+              <a:t>Utilizes the Langchain 'load_qa_chain' specifically designed for retrieval-based QA. </a:t>
+            </a:r>
+            <a:endParaRPr lang="en-US" sz="2200"/>
+          </a:p>
+          <a:p>
+            <a:pPr algn="just"/>
+            <a:endParaRPr lang="en-US" sz="2200"/>
+          </a:p>
+          <a:p>
+            <a:pPr algn="just"/>
+            <a:r>
+              <a:rPr lang="en-US" sz="2200"/>
+              <a:t>The model employed is OpenAI's "gpt-3.5-turbo". </a:t>
+            </a:r>
+            <a:endParaRPr lang="en-US" sz="2200"/>
+          </a:p>
+          <a:p>
+            <a:pPr algn="just"/>
+            <a:endParaRPr lang="en-US" sz="2200"/>
+          </a:p>
+          <a:p>
+            <a:pPr algn="just"/>
+            <a:r>
+              <a:rPr lang="en-US" sz="2200"/>
+              <a:t>A prompt is meticulously crafted, incorporating contextual details and inputs, with a strict adherence to the "Do not makeup answers" clause to prevent hallucinations. </a:t>
+            </a:r>
+            <a:endParaRPr lang="en-US" sz="2200"/>
+          </a:p>
+          <a:p>
+            <a:pPr algn="just"/>
+            <a:endParaRPr lang="en-US" sz="2200"/>
+          </a:p>
+          <a:p>
+            <a:pPr algn="just"/>
+            <a:r>
+              <a:rPr lang="en-US" sz="2200"/>
+              <a:t>Retrieved documents and chat history are combined and passed as context to the large language model (LLM), which generates answers based on the data within the provided context.</a:t>
+            </a:r>
+            <a:endParaRPr lang="en-US" sz="2200"/>
           </a:p>
         </p:txBody>
       </p:sp>
@@ -3763,6 +3828,60 @@
         <p:nvPr/>
       </p:nvGrpSpPr>
       <p:grpSpPr/>
+      <p:sp>
+        <p:nvSpPr>
+          <p:cNvPr id="3" name="Content Placeholder 2"/>
+          <p:cNvSpPr>
+            <a:spLocks noGrp="1"/>
+          </p:cNvSpPr>
+          <p:nvPr>
+            <p:ph idx="1"/>
+          </p:nvPr>
+        </p:nvSpPr>
+        <p:spPr>
+          <a:xfrm>
+            <a:off x="609600" y="2953385"/>
+            <a:ext cx="10972800" cy="812800"/>
+          </a:xfrm>
+        </p:spPr>
+        <p:txBody>
+          <a:bodyPr/>
+          <a:p>
+            <a:pPr marL="0" indent="0" algn="ctr">
+              <a:buNone/>
+            </a:pPr>
+            <a:r>
+              <a:rPr lang="en-US" sz="3400"/>
+              <a:t>CHATBOT - Q&amp;A EXAMPLES</a:t>
+            </a:r>
+            <a:endParaRPr lang="en-US" sz="3400"/>
+          </a:p>
+        </p:txBody>
+      </p:sp>
+    </p:spTree>
+  </p:cSld>
+  <p:clrMapOvr>
+    <a:masterClrMapping/>
+  </p:clrMapOvr>
+</p:sld>
+</file>
+
+<file path=ppt/slides/slide12.xml><?xml version="1.0" encoding="utf-8"?>
+<p:sld xmlns:a="http://schemas.openxmlformats.org/drawingml/2006/main" xmlns:r="http://schemas.openxmlformats.org/officeDocument/2006/relationships" xmlns:p="http://schemas.openxmlformats.org/presentationml/2006/main">
+  <p:cSld>
+    <p:bg>
+      <p:bgPr>
+        <a:noFill/>
+        <a:effectLst/>
+      </p:bgPr>
+    </p:bg>
+    <p:spTree>
+      <p:nvGrpSpPr>
+        <p:cNvPr id="1" name=""/>
+        <p:cNvGrpSpPr/>
+        <p:nvPr/>
+      </p:nvGrpSpPr>
+      <p:grpSpPr/>
       <p:pic>
         <p:nvPicPr>
           <p:cNvPr id="4" name="Content Placeholder 3"/>
@@ -3770,7 +3889,7 @@
             <a:picLocks noChangeAspect="1"/>
           </p:cNvPicPr>
           <p:nvPr>
-            <p:ph idx="1"/>
+            <p:ph idx="4294967295"/>
             <p:custDataLst>
               <p:tags r:id="rId1"/>
             </p:custDataLst>
@@ -3784,8 +3903,8 @@
         </p:blipFill>
         <p:spPr>
           <a:xfrm>
-            <a:off x="266065" y="433070"/>
-            <a:ext cx="6797040" cy="2834640"/>
+            <a:off x="371475" y="946150"/>
+            <a:ext cx="6383020" cy="2661920"/>
           </a:xfrm>
           <a:prstGeom prst="rect">
             <a:avLst/>
@@ -3812,8 +3931,8 @@
         </p:blipFill>
         <p:spPr>
           <a:xfrm>
-            <a:off x="266065" y="3398520"/>
-            <a:ext cx="6690360" cy="3314700"/>
+            <a:off x="371475" y="3675380"/>
+            <a:ext cx="6382385" cy="3114675"/>
           </a:xfrm>
           <a:prstGeom prst="rect">
             <a:avLst/>
@@ -3840,7 +3959,7 @@
         </p:blipFill>
         <p:spPr>
           <a:xfrm>
-            <a:off x="7343775" y="4764405"/>
+            <a:off x="7141210" y="4893945"/>
             <a:ext cx="3931920" cy="1196340"/>
           </a:xfrm>
           <a:prstGeom prst="rect">
@@ -3868,138 +3987,8 @@
         </p:blipFill>
         <p:spPr>
           <a:xfrm>
-            <a:off x="7343775" y="433070"/>
+            <a:off x="7141210" y="946150"/>
             <a:ext cx="4709160" cy="3695700"/>
-          </a:xfrm>
-          <a:prstGeom prst="rect">
-            <a:avLst/>
-          </a:prstGeom>
-        </p:spPr>
-      </p:pic>
-    </p:spTree>
-  </p:cSld>
-  <p:clrMapOvr>
-    <a:masterClrMapping/>
-  </p:clrMapOvr>
-</p:sld>
-</file>
-
-<file path=ppt/slides/slide12.xml><?xml version="1.0" encoding="utf-8"?>
-<p:sld xmlns:a="http://schemas.openxmlformats.org/drawingml/2006/main" xmlns:r="http://schemas.openxmlformats.org/officeDocument/2006/relationships" xmlns:p="http://schemas.openxmlformats.org/presentationml/2006/main">
-  <p:cSld>
-    <p:spTree>
-      <p:nvGrpSpPr>
-        <p:cNvPr id="1" name=""/>
-        <p:cNvGrpSpPr/>
-        <p:nvPr/>
-      </p:nvGrpSpPr>
-      <p:grpSpPr/>
-      <p:pic>
-        <p:nvPicPr>
-          <p:cNvPr id="4" name="Picture 3"/>
-          <p:cNvPicPr>
-            <a:picLocks noChangeAspect="1"/>
-          </p:cNvPicPr>
-          <p:nvPr>
-            <p:custDataLst>
-              <p:tags r:id="rId1"/>
-            </p:custDataLst>
-          </p:nvPr>
-        </p:nvPicPr>
-        <p:blipFill>
-          <a:blip r:embed="rId2"/>
-          <a:stretch>
-            <a:fillRect/>
-          </a:stretch>
-        </p:blipFill>
-        <p:spPr>
-          <a:xfrm>
-            <a:off x="5456555" y="1153795"/>
-            <a:ext cx="6530340" cy="1539240"/>
-          </a:xfrm>
-          <a:prstGeom prst="rect">
-            <a:avLst/>
-          </a:prstGeom>
-        </p:spPr>
-      </p:pic>
-      <p:pic>
-        <p:nvPicPr>
-          <p:cNvPr id="5" name="Picture 4"/>
-          <p:cNvPicPr>
-            <a:picLocks noChangeAspect="1"/>
-          </p:cNvPicPr>
-          <p:nvPr>
-            <p:custDataLst>
-              <p:tags r:id="rId3"/>
-            </p:custDataLst>
-          </p:nvPr>
-        </p:nvPicPr>
-        <p:blipFill>
-          <a:blip r:embed="rId4"/>
-          <a:stretch>
-            <a:fillRect/>
-          </a:stretch>
-        </p:blipFill>
-        <p:spPr>
-          <a:xfrm>
-            <a:off x="5456555" y="2936875"/>
-            <a:ext cx="6530340" cy="3238500"/>
-          </a:xfrm>
-          <a:prstGeom prst="rect">
-            <a:avLst/>
-          </a:prstGeom>
-        </p:spPr>
-      </p:pic>
-      <p:pic>
-        <p:nvPicPr>
-          <p:cNvPr id="6" name="Picture 5"/>
-          <p:cNvPicPr>
-            <a:picLocks noChangeAspect="1"/>
-          </p:cNvPicPr>
-          <p:nvPr>
-            <p:custDataLst>
-              <p:tags r:id="rId5"/>
-            </p:custDataLst>
-          </p:nvPr>
-        </p:nvPicPr>
-        <p:blipFill>
-          <a:blip r:embed="rId6"/>
-          <a:stretch>
-            <a:fillRect/>
-          </a:stretch>
-        </p:blipFill>
-        <p:spPr>
-          <a:xfrm>
-            <a:off x="455295" y="1153795"/>
-            <a:ext cx="4709160" cy="3162300"/>
-          </a:xfrm>
-          <a:prstGeom prst="rect">
-            <a:avLst/>
-          </a:prstGeom>
-        </p:spPr>
-      </p:pic>
-      <p:pic>
-        <p:nvPicPr>
-          <p:cNvPr id="7" name="Picture 6"/>
-          <p:cNvPicPr>
-            <a:picLocks noChangeAspect="1"/>
-          </p:cNvPicPr>
-          <p:nvPr>
-            <p:custDataLst>
-              <p:tags r:id="rId7"/>
-            </p:custDataLst>
-          </p:nvPr>
-        </p:nvPicPr>
-        <p:blipFill>
-          <a:blip r:embed="rId8"/>
-          <a:stretch>
-            <a:fillRect/>
-          </a:stretch>
-        </p:blipFill>
-        <p:spPr>
-          <a:xfrm>
-            <a:off x="577215" y="4406900"/>
-            <a:ext cx="4587240" cy="2232660"/>
           </a:xfrm>
           <a:prstGeom prst="rect">
             <a:avLst/>
@@ -4024,46 +4013,118 @@
         <p:nvPr/>
       </p:nvGrpSpPr>
       <p:grpSpPr/>
-      <p:sp>
-        <p:nvSpPr>
-          <p:cNvPr id="2" name="Title 1"/>
-          <p:cNvSpPr>
-            <a:spLocks noGrp="1"/>
-          </p:cNvSpPr>
-          <p:nvPr>
-            <p:ph type="title"/>
-          </p:nvPr>
-        </p:nvSpPr>
-        <p:spPr/>
-        <p:txBody>
-          <a:bodyPr/>
-          <a:p>
-            <a:r>
-              <a:rPr lang="en-US"/>
-              <a:t>Chatbot Deployment Information</a:t>
-            </a:r>
-            <a:endParaRPr lang="en-US"/>
-          </a:p>
-        </p:txBody>
-      </p:sp>
-      <p:sp>
-        <p:nvSpPr>
-          <p:cNvPr id="3" name="Content Placeholder 2"/>
-          <p:cNvSpPr>
-            <a:spLocks noGrp="1"/>
-          </p:cNvSpPr>
-          <p:nvPr>
-            <p:ph idx="1"/>
-          </p:nvPr>
-        </p:nvSpPr>
-        <p:spPr/>
-        <p:txBody>
-          <a:bodyPr/>
-          <a:p>
-            <a:endParaRPr lang="en-US"/>
-          </a:p>
-        </p:txBody>
-      </p:sp>
+      <p:pic>
+        <p:nvPicPr>
+          <p:cNvPr id="4" name="Picture 3"/>
+          <p:cNvPicPr>
+            <a:picLocks noChangeAspect="1"/>
+          </p:cNvPicPr>
+          <p:nvPr>
+            <p:custDataLst>
+              <p:tags r:id="rId1"/>
+            </p:custDataLst>
+          </p:nvPr>
+        </p:nvPicPr>
+        <p:blipFill>
+          <a:blip r:embed="rId2"/>
+          <a:stretch>
+            <a:fillRect/>
+          </a:stretch>
+        </p:blipFill>
+        <p:spPr>
+          <a:xfrm>
+            <a:off x="5273675" y="1153795"/>
+            <a:ext cx="6530340" cy="1539240"/>
+          </a:xfrm>
+          <a:prstGeom prst="rect">
+            <a:avLst/>
+          </a:prstGeom>
+        </p:spPr>
+      </p:pic>
+      <p:pic>
+        <p:nvPicPr>
+          <p:cNvPr id="5" name="Picture 4"/>
+          <p:cNvPicPr>
+            <a:picLocks noChangeAspect="1"/>
+          </p:cNvPicPr>
+          <p:nvPr>
+            <p:custDataLst>
+              <p:tags r:id="rId3"/>
+            </p:custDataLst>
+          </p:nvPr>
+        </p:nvPicPr>
+        <p:blipFill>
+          <a:blip r:embed="rId4"/>
+          <a:stretch>
+            <a:fillRect/>
+          </a:stretch>
+        </p:blipFill>
+        <p:spPr>
+          <a:xfrm>
+            <a:off x="5273675" y="2821940"/>
+            <a:ext cx="6530340" cy="3238500"/>
+          </a:xfrm>
+          <a:prstGeom prst="rect">
+            <a:avLst/>
+          </a:prstGeom>
+        </p:spPr>
+      </p:pic>
+      <p:pic>
+        <p:nvPicPr>
+          <p:cNvPr id="6" name="Picture 5"/>
+          <p:cNvPicPr>
+            <a:picLocks noChangeAspect="1"/>
+          </p:cNvPicPr>
+          <p:nvPr>
+            <p:custDataLst>
+              <p:tags r:id="rId5"/>
+            </p:custDataLst>
+          </p:nvPr>
+        </p:nvPicPr>
+        <p:blipFill>
+          <a:blip r:embed="rId6"/>
+          <a:stretch>
+            <a:fillRect/>
+          </a:stretch>
+        </p:blipFill>
+        <p:spPr>
+          <a:xfrm>
+            <a:off x="355600" y="1153795"/>
+            <a:ext cx="4587240" cy="3162300"/>
+          </a:xfrm>
+          <a:prstGeom prst="rect">
+            <a:avLst/>
+          </a:prstGeom>
+        </p:spPr>
+      </p:pic>
+      <p:pic>
+        <p:nvPicPr>
+          <p:cNvPr id="7" name="Picture 6"/>
+          <p:cNvPicPr>
+            <a:picLocks noChangeAspect="1"/>
+          </p:cNvPicPr>
+          <p:nvPr>
+            <p:custDataLst>
+              <p:tags r:id="rId7"/>
+            </p:custDataLst>
+          </p:nvPr>
+        </p:nvPicPr>
+        <p:blipFill>
+          <a:blip r:embed="rId8"/>
+          <a:stretch>
+            <a:fillRect/>
+          </a:stretch>
+        </p:blipFill>
+        <p:spPr>
+          <a:xfrm>
+            <a:off x="355600" y="4406900"/>
+            <a:ext cx="4587240" cy="2232660"/>
+          </a:xfrm>
+          <a:prstGeom prst="rect">
+            <a:avLst/>
+          </a:prstGeom>
+        </p:spPr>
+      </p:pic>
     </p:spTree>
   </p:cSld>
   <p:clrMapOvr>
@@ -4092,16 +4153,21 @@
             <p:ph type="title"/>
           </p:nvPr>
         </p:nvSpPr>
-        <p:spPr/>
+        <p:spPr>
+          <a:xfrm>
+            <a:off x="594360" y="190500"/>
+            <a:ext cx="10972800" cy="582613"/>
+          </a:xfrm>
+        </p:spPr>
         <p:txBody>
           <a:bodyPr/>
           <a:p>
             <a:pPr algn="ctr"/>
             <a:r>
-              <a:rPr lang="en-US" sz="4400"/>
-              <a:t>RESOURCES USED</a:t>
-            </a:r>
-            <a:endParaRPr lang="en-US" sz="4400"/>
+              <a:rPr lang="en-US" sz="3400"/>
+              <a:t>CHATBOT DEPLOYMENT INFORMATION</a:t>
+            </a:r>
+            <a:endParaRPr lang="en-US" sz="3400"/>
           </a:p>
         </p:txBody>
       </p:sp>
@@ -4115,73 +4181,63 @@
             <p:ph idx="1"/>
           </p:nvPr>
         </p:nvSpPr>
-        <p:spPr/>
+        <p:spPr>
+          <a:xfrm>
+            <a:off x="1620520" y="1676400"/>
+            <a:ext cx="8921115" cy="2821940"/>
+          </a:xfrm>
+        </p:spPr>
         <p:txBody>
           <a:bodyPr/>
           <a:p>
-            <a:r>
-              <a:rPr lang="en-US">
-                <a:hlinkClick r:id="rId1" action="ppaction://hlinkfile"/>
+            <a:pPr algn="just"/>
+            <a:r>
+              <a:rPr lang="en-US" sz="2200"/>
+              <a:t>The chatbot is hosted on </a:t>
+            </a:r>
+            <a:r>
+              <a:rPr lang="en-US" sz="2200">
+                <a:hlinkClick r:id="rId1" tooltip=""/>
               </a:rPr>
-              <a:t>StreamLite</a:t>
-            </a:r>
-            <a:r>
-              <a:rPr lang="en-US"/>
-              <a:t> : Used for creating Chat Web UI</a:t>
-            </a:r>
-            <a:endParaRPr lang="en-US"/>
-          </a:p>
-          <a:p>
-            <a:r>
-              <a:rPr lang="en-US">
-                <a:hlinkClick r:id="rId2" action="ppaction://hlinkfile"/>
+              <a:t>Heroku</a:t>
+            </a:r>
+            <a:r>
+              <a:rPr lang="en-US" sz="2200"/>
+              <a:t>, a leading platform as a service (PaaS) in the cloud. </a:t>
+            </a:r>
+            <a:endParaRPr lang="en-US" sz="2200"/>
+          </a:p>
+          <a:p>
+            <a:pPr algn="just"/>
+            <a:endParaRPr lang="en-US" sz="2200"/>
+          </a:p>
+          <a:p>
+            <a:pPr algn="just"/>
+            <a:r>
+              <a:rPr lang="en-US" sz="2200"/>
+              <a:t>The source code is uploaded to Git and deployed directly using Heroku's configuration files.</a:t>
+            </a:r>
+            <a:endParaRPr lang="en-US" sz="2200"/>
+          </a:p>
+          <a:p>
+            <a:pPr marL="0" indent="0" algn="just">
+              <a:buNone/>
+            </a:pPr>
+            <a:endParaRPr lang="en-US" sz="2200"/>
+          </a:p>
+          <a:p>
+            <a:pPr algn="just"/>
+            <a:r>
+              <a:rPr lang="en-US" sz="2200"/>
+              <a:t>Chatbot can be accessed via the link : </a:t>
+            </a:r>
+            <a:r>
+              <a:rPr lang="en-US" sz="2200">
+                <a:hlinkClick r:id="rId2" tooltip="" action="ppaction://hlinkfile"/>
               </a:rPr>
-              <a:t>LlamaParse</a:t>
-            </a:r>
-            <a:r>
-              <a:rPr lang="en-US"/>
-              <a:t> : To Extract Text From PDF</a:t>
-            </a:r>
-            <a:endParaRPr lang="en-US"/>
-          </a:p>
-          <a:p>
-            <a:r>
-              <a:rPr lang="en-US">
-                <a:hlinkClick r:id="rId3" action="ppaction://hlinkfile"/>
-              </a:rPr>
-              <a:t>Open AI</a:t>
-            </a:r>
-            <a:r>
-              <a:rPr lang="en-US"/>
-              <a:t> : For LLM model and Embeddings</a:t>
-            </a:r>
-            <a:endParaRPr lang="en-US"/>
-          </a:p>
-          <a:p>
-            <a:r>
-              <a:rPr lang="en-US">
-                <a:hlinkClick r:id="rId4" action="ppaction://hlinkfile"/>
-              </a:rPr>
-              <a:t>FAISS(Facebook AI Similarity Search)</a:t>
-            </a:r>
-            <a:r>
-              <a:rPr lang="en-US"/>
-              <a:t> : For Creating VectorStore and Checking Similarity</a:t>
-            </a:r>
-            <a:endParaRPr lang="en-US"/>
-          </a:p>
-          <a:p>
-            <a:r>
-              <a:rPr lang="en-US">
-                <a:hlinkClick r:id="rId5" action="ppaction://hlinkfile"/>
-              </a:rPr>
-              <a:t>LangChain</a:t>
-            </a:r>
-            <a:r>
-              <a:rPr lang="en-US"/>
-              <a:t> - For various extraction retrieval and generative utilities</a:t>
-            </a:r>
-            <a:endParaRPr lang="en-US"/>
+              <a:t>https://financial-qa-chatbot-e9c4c697cc92.herokuapp.com/</a:t>
+            </a:r>
+            <a:endParaRPr lang="en-US" sz="2200"/>
           </a:p>
         </p:txBody>
       </p:sp>
@@ -4217,11 +4273,12 @@
         <p:txBody>
           <a:bodyPr/>
           <a:p>
-            <a:r>
-              <a:rPr lang="en-US"/>
-              <a:t>Challenges  and Limitations</a:t>
-            </a:r>
-            <a:endParaRPr lang="en-US"/>
+            <a:pPr algn="ctr"/>
+            <a:r>
+              <a:rPr lang="en-US" sz="3400"/>
+              <a:t>TOOLS USED</a:t>
+            </a:r>
+            <a:endParaRPr lang="en-US" sz="3400"/>
           </a:p>
         </p:txBody>
       </p:sp>
@@ -4235,11 +4292,93 @@
             <p:ph idx="1"/>
           </p:nvPr>
         </p:nvSpPr>
-        <p:spPr/>
+        <p:spPr>
+          <a:xfrm>
+            <a:off x="1621790" y="1550035"/>
+            <a:ext cx="8948420" cy="4336415"/>
+          </a:xfrm>
+        </p:spPr>
         <p:txBody>
           <a:bodyPr/>
           <a:p>
-            <a:endParaRPr lang="en-US"/>
+            <a:r>
+              <a:rPr lang="en-US" sz="2200">
+                <a:hlinkClick r:id="rId1" action="ppaction://hlinkfile"/>
+              </a:rPr>
+              <a:t>StreamLite</a:t>
+            </a:r>
+            <a:r>
+              <a:rPr lang="en-US" sz="2200"/>
+              <a:t> : Used to create the chat web UI.</a:t>
+            </a:r>
+            <a:endParaRPr lang="en-US" sz="2200"/>
+          </a:p>
+          <a:p>
+            <a:pPr marL="0" indent="0">
+              <a:buNone/>
+            </a:pPr>
+            <a:endParaRPr lang="en-US" sz="2200"/>
+          </a:p>
+          <a:p>
+            <a:r>
+              <a:rPr lang="en-US" sz="2200">
+                <a:hlinkClick r:id="rId2" action="ppaction://hlinkfile"/>
+              </a:rPr>
+              <a:t>LlamaParse</a:t>
+            </a:r>
+            <a:r>
+              <a:rPr lang="en-US" sz="2200"/>
+              <a:t> :  For extracting text from PDFs.</a:t>
+            </a:r>
+            <a:endParaRPr lang="en-US" sz="2200"/>
+          </a:p>
+          <a:p>
+            <a:endParaRPr lang="en-US" sz="2200"/>
+          </a:p>
+          <a:p>
+            <a:r>
+              <a:rPr lang="en-US" sz="2200">
+                <a:hlinkClick r:id="rId3" action="ppaction://hlinkfile"/>
+              </a:rPr>
+              <a:t>Open AI</a:t>
+            </a:r>
+            <a:r>
+              <a:rPr lang="en-US" sz="2200"/>
+              <a:t> : For the LLM model and embeddings</a:t>
+            </a:r>
+            <a:endParaRPr lang="en-US" sz="2200"/>
+          </a:p>
+          <a:p>
+            <a:endParaRPr lang="en-US" sz="2200"/>
+          </a:p>
+          <a:p>
+            <a:r>
+              <a:rPr lang="en-US" sz="2200">
+                <a:hlinkClick r:id="rId4" action="ppaction://hlinkfile"/>
+              </a:rPr>
+              <a:t>FAISS(Facebook AI Similarity Search)</a:t>
+            </a:r>
+            <a:r>
+              <a:rPr lang="en-US" sz="2200"/>
+              <a:t> : For creating vector stores and checking similarity.</a:t>
+            </a:r>
+            <a:endParaRPr lang="en-US" sz="2200"/>
+          </a:p>
+          <a:p>
+            <a:endParaRPr lang="en-US" sz="2200"/>
+          </a:p>
+          <a:p>
+            <a:r>
+              <a:rPr lang="en-US" sz="2200">
+                <a:hlinkClick r:id="rId5" action="ppaction://hlinkfile"/>
+              </a:rPr>
+              <a:t>LangChain</a:t>
+            </a:r>
+            <a:r>
+              <a:rPr lang="en-US" sz="2200"/>
+              <a:t> - For various extraction, retrieval, and generative utilities.</a:t>
+            </a:r>
+            <a:endParaRPr lang="en-US" sz="2200"/>
           </a:p>
         </p:txBody>
       </p:sp>
@@ -4263,6 +4402,29 @@
       <p:grpSpPr/>
       <p:sp>
         <p:nvSpPr>
+          <p:cNvPr id="2" name="Title 1"/>
+          <p:cNvSpPr>
+            <a:spLocks noGrp="1"/>
+          </p:cNvSpPr>
+          <p:nvPr>
+            <p:ph type="title"/>
+          </p:nvPr>
+        </p:nvSpPr>
+        <p:spPr/>
+        <p:txBody>
+          <a:bodyPr/>
+          <a:p>
+            <a:pPr algn="ctr"/>
+            <a:r>
+              <a:rPr lang="en-US" sz="3400"/>
+              <a:t>CHALLENGES</a:t>
+            </a:r>
+            <a:endParaRPr lang="en-US" sz="3400"/>
+          </a:p>
+        </p:txBody>
+      </p:sp>
+      <p:sp>
+        <p:nvSpPr>
           <p:cNvPr id="3" name="Content Placeholder 2"/>
           <p:cNvSpPr>
             <a:spLocks noGrp="1"/>
@@ -4273,7 +4435,286 @@
         </p:nvSpPr>
         <p:spPr>
           <a:xfrm>
-            <a:off x="5432425" y="2884170"/>
+            <a:off x="1145540" y="1242695"/>
+            <a:ext cx="9708515" cy="4953000"/>
+          </a:xfrm>
+        </p:spPr>
+        <p:txBody>
+          <a:bodyPr/>
+          <a:p>
+            <a:pPr algn="just"/>
+            <a:r>
+              <a:rPr lang="en-US" sz="2200"/>
+              <a:t>After testing several tools for PDF extraction, many proved ineffective at extracting data from tables. </a:t>
+            </a:r>
+            <a:endParaRPr lang="en-US" sz="2200"/>
+          </a:p>
+          <a:p>
+            <a:pPr algn="just"/>
+            <a:endParaRPr lang="en-US" sz="2200"/>
+          </a:p>
+          <a:p>
+            <a:pPr algn="just"/>
+            <a:r>
+              <a:rPr lang="en-US" sz="2200"/>
+              <a:t>Due to time constraints, further research and testing of additional tools were limited.</a:t>
+            </a:r>
+            <a:endParaRPr lang="en-US" sz="2200"/>
+          </a:p>
+          <a:p>
+            <a:pPr algn="just"/>
+            <a:endParaRPr lang="en-US" sz="2200"/>
+          </a:p>
+          <a:p>
+            <a:pPr algn="just"/>
+            <a:r>
+              <a:rPr lang="en-US" sz="2200"/>
+              <a:t>Responses from the LLM for some questions did not meet the expected format or provide the desired level of usefulness.</a:t>
+            </a:r>
+            <a:endParaRPr lang="en-US" sz="2200"/>
+          </a:p>
+          <a:p>
+            <a:pPr algn="just"/>
+            <a:endParaRPr lang="en-US" sz="2200"/>
+          </a:p>
+          <a:p>
+            <a:pPr algn="just"/>
+            <a:r>
+              <a:rPr lang="en-US" sz="2200"/>
+              <a:t>Some complex table data extracted from PDFs occasionally leads to errors in the answers.</a:t>
+            </a:r>
+            <a:endParaRPr lang="en-US" sz="2200"/>
+          </a:p>
+          <a:p>
+            <a:pPr algn="just"/>
+            <a:endParaRPr lang="en-US" sz="2200"/>
+          </a:p>
+          <a:p>
+            <a:pPr algn="just"/>
+            <a:r>
+              <a:rPr lang="en-US" sz="2200">
+                <a:sym typeface="+mn-ea"/>
+              </a:rPr>
+              <a:t>Accuracy metrics cannot be calculated as test data has not been generated; manual testing will be relied upon instead.</a:t>
+            </a:r>
+            <a:endParaRPr lang="en-US" sz="2200">
+              <a:sym typeface="+mn-ea"/>
+            </a:endParaRPr>
+          </a:p>
+          <a:p>
+            <a:pPr algn="just"/>
+            <a:endParaRPr lang="en-US" sz="2200"/>
+          </a:p>
+        </p:txBody>
+      </p:sp>
+    </p:spTree>
+  </p:cSld>
+  <p:clrMapOvr>
+    <a:masterClrMapping/>
+  </p:clrMapOvr>
+</p:sld>
+</file>
+
+<file path=ppt/slides/slide17.xml><?xml version="1.0" encoding="utf-8"?>
+<p:sld xmlns:a="http://schemas.openxmlformats.org/drawingml/2006/main" xmlns:r="http://schemas.openxmlformats.org/officeDocument/2006/relationships" xmlns:p="http://schemas.openxmlformats.org/presentationml/2006/main">
+  <p:cSld>
+    <p:spTree>
+      <p:nvGrpSpPr>
+        <p:cNvPr id="1" name=""/>
+        <p:cNvGrpSpPr/>
+        <p:nvPr/>
+      </p:nvGrpSpPr>
+      <p:grpSpPr/>
+      <p:sp>
+        <p:nvSpPr>
+          <p:cNvPr id="2" name="Title 1"/>
+          <p:cNvSpPr>
+            <a:spLocks noGrp="1"/>
+          </p:cNvSpPr>
+          <p:nvPr>
+            <p:ph type="title"/>
+          </p:nvPr>
+        </p:nvSpPr>
+        <p:spPr>
+          <a:xfrm>
+            <a:off x="609600" y="190500"/>
+            <a:ext cx="10972800" cy="582613"/>
+          </a:xfrm>
+        </p:spPr>
+        <p:txBody>
+          <a:bodyPr/>
+          <a:p>
+            <a:pPr algn="ctr"/>
+            <a:r>
+              <a:rPr lang="en-US" sz="3400"/>
+              <a:t>SCOPE FOR FUTURE ENHANCEMENT</a:t>
+            </a:r>
+            <a:endParaRPr lang="en-US" sz="3400"/>
+          </a:p>
+        </p:txBody>
+      </p:sp>
+      <p:sp>
+        <p:nvSpPr>
+          <p:cNvPr id="3" name="Content Placeholder 2"/>
+          <p:cNvSpPr>
+            <a:spLocks noGrp="1"/>
+          </p:cNvSpPr>
+          <p:nvPr>
+            <p:ph idx="1"/>
+          </p:nvPr>
+        </p:nvSpPr>
+        <p:spPr>
+          <a:xfrm>
+            <a:off x="694055" y="1246505"/>
+            <a:ext cx="10888345" cy="4953000"/>
+          </a:xfrm>
+        </p:spPr>
+        <p:txBody>
+          <a:bodyPr/>
+          <a:p>
+            <a:r>
+              <a:rPr lang="en-US" sz="2000"/>
+              <a:t>The current static PDF data source can be enhanced by enabling users to upload new files directly through the user interface (UI), thereby increasing interaction dynamism.</a:t>
+            </a:r>
+            <a:endParaRPr lang="en-US" sz="2000"/>
+          </a:p>
+          <a:p>
+            <a:endParaRPr lang="en-US" sz="2000"/>
+          </a:p>
+          <a:p>
+            <a:r>
+              <a:rPr lang="en-US" sz="2000"/>
+              <a:t>To make the bot more human-like, we can aim to improve responses, especially in scenarios where current responses are inadequate. </a:t>
+            </a:r>
+            <a:endParaRPr lang="en-US" sz="2000"/>
+          </a:p>
+          <a:p>
+            <a:endParaRPr lang="en-US" sz="2000"/>
+          </a:p>
+          <a:p>
+            <a:endParaRPr lang="en-US" sz="2000"/>
+          </a:p>
+          <a:p>
+            <a:endParaRPr lang="en-US" sz="2000"/>
+          </a:p>
+          <a:p>
+            <a:endParaRPr lang="en-US" sz="2000"/>
+          </a:p>
+          <a:p>
+            <a:endParaRPr lang="en-US" sz="2000"/>
+          </a:p>
+          <a:p>
+            <a:endParaRPr lang="en-US" sz="2000"/>
+          </a:p>
+          <a:p>
+            <a:r>
+              <a:rPr lang="en-US" sz="2000"/>
+              <a:t>Add additional data sources like Internet to get more detailed data.</a:t>
+            </a:r>
+            <a:endParaRPr lang="en-US" sz="2000"/>
+          </a:p>
+          <a:p>
+            <a:pPr marL="0" indent="0">
+              <a:buNone/>
+            </a:pPr>
+            <a:endParaRPr lang="en-US" sz="2000"/>
+          </a:p>
+          <a:p>
+            <a:r>
+              <a:rPr lang="en-US" sz="2000"/>
+              <a:t>Optimize the bot to provide streaming replies rather than waiting for complete answers, enhancing user interaction speed and efficiency.</a:t>
+            </a:r>
+            <a:endParaRPr lang="en-US" sz="2000"/>
+          </a:p>
+        </p:txBody>
+      </p:sp>
+      <p:pic>
+        <p:nvPicPr>
+          <p:cNvPr id="4" name="Picture 3"/>
+          <p:cNvPicPr>
+            <a:picLocks noChangeAspect="1"/>
+          </p:cNvPicPr>
+          <p:nvPr>
+            <p:custDataLst>
+              <p:tags r:id="rId1"/>
+            </p:custDataLst>
+          </p:nvPr>
+        </p:nvPicPr>
+        <p:blipFill>
+          <a:blip r:embed="rId2"/>
+          <a:stretch>
+            <a:fillRect/>
+          </a:stretch>
+        </p:blipFill>
+        <p:spPr>
+          <a:xfrm>
+            <a:off x="2702560" y="3305175"/>
+            <a:ext cx="2301240" cy="1455420"/>
+          </a:xfrm>
+          <a:prstGeom prst="rect">
+            <a:avLst/>
+          </a:prstGeom>
+        </p:spPr>
+      </p:pic>
+      <p:pic>
+        <p:nvPicPr>
+          <p:cNvPr id="5" name="Picture 4"/>
+          <p:cNvPicPr>
+            <a:picLocks noChangeAspect="1"/>
+          </p:cNvPicPr>
+          <p:nvPr>
+            <p:custDataLst>
+              <p:tags r:id="rId3"/>
+            </p:custDataLst>
+          </p:nvPr>
+        </p:nvPicPr>
+        <p:blipFill>
+          <a:blip r:embed="rId4"/>
+          <a:stretch>
+            <a:fillRect/>
+          </a:stretch>
+        </p:blipFill>
+        <p:spPr>
+          <a:xfrm>
+            <a:off x="6849745" y="3305175"/>
+            <a:ext cx="2223135" cy="1456055"/>
+          </a:xfrm>
+          <a:prstGeom prst="rect">
+            <a:avLst/>
+          </a:prstGeom>
+        </p:spPr>
+      </p:pic>
+    </p:spTree>
+  </p:cSld>
+  <p:clrMapOvr>
+    <a:masterClrMapping/>
+  </p:clrMapOvr>
+</p:sld>
+</file>
+
+<file path=ppt/slides/slide18.xml><?xml version="1.0" encoding="utf-8"?>
+<p:sld xmlns:a="http://schemas.openxmlformats.org/drawingml/2006/main" xmlns:r="http://schemas.openxmlformats.org/officeDocument/2006/relationships" xmlns:p="http://schemas.openxmlformats.org/presentationml/2006/main">
+  <p:cSld>
+    <p:spTree>
+      <p:nvGrpSpPr>
+        <p:cNvPr id="1" name=""/>
+        <p:cNvGrpSpPr/>
+        <p:nvPr/>
+      </p:nvGrpSpPr>
+      <p:grpSpPr/>
+      <p:sp>
+        <p:nvSpPr>
+          <p:cNvPr id="3" name="Content Placeholder 2"/>
+          <p:cNvSpPr>
+            <a:spLocks noGrp="1"/>
+          </p:cNvSpPr>
+          <p:nvPr>
+            <p:ph idx="1"/>
+          </p:nvPr>
+        </p:nvSpPr>
+        <p:spPr>
+          <a:xfrm>
+            <a:off x="5432425" y="3048000"/>
             <a:ext cx="1327150" cy="761365"/>
           </a:xfrm>
         </p:spPr>
@@ -4325,10 +4766,10 @@
           <a:p>
             <a:pPr algn="ctr"/>
             <a:r>
-              <a:rPr lang="en-US"/>
+              <a:rPr lang="en-US" sz="3400"/>
               <a:t>CONTENT</a:t>
             </a:r>
-            <a:endParaRPr lang="en-US"/>
+            <a:endParaRPr lang="en-US" sz="3400"/>
           </a:p>
         </p:txBody>
       </p:sp>
@@ -4342,29 +4783,185 @@
             <p:ph idx="1"/>
           </p:nvPr>
         </p:nvSpPr>
-        <p:spPr/>
+        <p:spPr>
+          <a:xfrm>
+            <a:off x="1729105" y="1184275"/>
+            <a:ext cx="10972800" cy="5241925"/>
+          </a:xfrm>
+        </p:spPr>
         <p:txBody>
           <a:bodyPr/>
           <a:p>
             <a:r>
-              <a:rPr lang="en-US"/>
-              <a:t>Project </a:t>
-            </a:r>
-            <a:endParaRPr lang="en-US"/>
-          </a:p>
-          <a:p>
-            <a:r>
-              <a:rPr lang="en-US"/>
+              <a:rPr lang="en-US" sz="2200">
+                <a:latin typeface="Arial" panose="020B0604020202020204" pitchFamily="34" charset="0"/>
+                <a:cs typeface="Arial" panose="020B0604020202020204" pitchFamily="34" charset="0"/>
+              </a:rPr>
+              <a:t>Project Objective</a:t>
+            </a:r>
+            <a:endParaRPr lang="en-US" sz="2200">
+              <a:latin typeface="Arial" panose="020B0604020202020204" pitchFamily="34" charset="0"/>
+              <a:cs typeface="Arial" panose="020B0604020202020204" pitchFamily="34" charset="0"/>
+            </a:endParaRPr>
+          </a:p>
+          <a:p>
+            <a:r>
+              <a:rPr lang="en-US" sz="2200">
+                <a:latin typeface="Arial" panose="020B0604020202020204" pitchFamily="34" charset="0"/>
+                <a:cs typeface="Arial" panose="020B0604020202020204" pitchFamily="34" charset="0"/>
+              </a:rPr>
+              <a:t>Data</a:t>
+            </a:r>
+            <a:endParaRPr lang="en-US" sz="2200">
+              <a:latin typeface="Arial" panose="020B0604020202020204" pitchFamily="34" charset="0"/>
+              <a:cs typeface="Arial" panose="020B0604020202020204" pitchFamily="34" charset="0"/>
+            </a:endParaRPr>
+          </a:p>
+          <a:p>
+            <a:r>
+              <a:rPr lang="en-US" sz="2200">
+                <a:latin typeface="Arial" panose="020B0604020202020204" pitchFamily="34" charset="0"/>
+                <a:cs typeface="Arial" panose="020B0604020202020204" pitchFamily="34" charset="0"/>
+              </a:rPr>
               <a:t>Overall Approach</a:t>
             </a:r>
-            <a:endParaRPr lang="en-US"/>
-          </a:p>
-          <a:p>
-            <a:r>
-              <a:rPr lang="en-US"/>
-              <a:t>Data</a:t>
-            </a:r>
-            <a:endParaRPr lang="en-US"/>
+            <a:endParaRPr lang="en-US" sz="2200">
+              <a:latin typeface="Arial" panose="020B0604020202020204" pitchFamily="34" charset="0"/>
+              <a:cs typeface="Arial" panose="020B0604020202020204" pitchFamily="34" charset="0"/>
+            </a:endParaRPr>
+          </a:p>
+          <a:p>
+            <a:r>
+              <a:rPr lang="en-US" sz="2200">
+                <a:latin typeface="Arial" panose="020B0604020202020204" pitchFamily="34" charset="0"/>
+                <a:cs typeface="Arial" panose="020B0604020202020204" pitchFamily="34" charset="0"/>
+              </a:rPr>
+              <a:t>Flow Diagram</a:t>
+            </a:r>
+            <a:endParaRPr lang="en-US" sz="2200">
+              <a:latin typeface="Arial" panose="020B0604020202020204" pitchFamily="34" charset="0"/>
+              <a:cs typeface="Arial" panose="020B0604020202020204" pitchFamily="34" charset="0"/>
+            </a:endParaRPr>
+          </a:p>
+          <a:p>
+            <a:pPr lvl="1"/>
+            <a:r>
+              <a:rPr lang="en-US" sz="2200">
+                <a:latin typeface="Arial" panose="020B0604020202020204" pitchFamily="34" charset="0"/>
+                <a:cs typeface="Arial" panose="020B0604020202020204" pitchFamily="34" charset="0"/>
+              </a:rPr>
+              <a:t>Indexing</a:t>
+            </a:r>
+            <a:endParaRPr lang="en-US" sz="2200">
+              <a:latin typeface="Arial" panose="020B0604020202020204" pitchFamily="34" charset="0"/>
+              <a:cs typeface="Arial" panose="020B0604020202020204" pitchFamily="34" charset="0"/>
+            </a:endParaRPr>
+          </a:p>
+          <a:p>
+            <a:pPr lvl="1"/>
+            <a:r>
+              <a:rPr lang="en-US" sz="2200">
+                <a:latin typeface="Arial" panose="020B0604020202020204" pitchFamily="34" charset="0"/>
+                <a:cs typeface="Arial" panose="020B0604020202020204" pitchFamily="34" charset="0"/>
+              </a:rPr>
+              <a:t>Retrieval</a:t>
+            </a:r>
+            <a:endParaRPr lang="en-US" sz="2200">
+              <a:latin typeface="Arial" panose="020B0604020202020204" pitchFamily="34" charset="0"/>
+              <a:cs typeface="Arial" panose="020B0604020202020204" pitchFamily="34" charset="0"/>
+            </a:endParaRPr>
+          </a:p>
+          <a:p>
+            <a:pPr lvl="1"/>
+            <a:r>
+              <a:rPr lang="en-US" sz="2200">
+                <a:latin typeface="Arial" panose="020B0604020202020204" pitchFamily="34" charset="0"/>
+                <a:cs typeface="Arial" panose="020B0604020202020204" pitchFamily="34" charset="0"/>
+              </a:rPr>
+              <a:t>Generation</a:t>
+            </a:r>
+            <a:endParaRPr lang="en-US" sz="2200">
+              <a:latin typeface="Arial" panose="020B0604020202020204" pitchFamily="34" charset="0"/>
+              <a:cs typeface="Arial" panose="020B0604020202020204" pitchFamily="34" charset="0"/>
+            </a:endParaRPr>
+          </a:p>
+          <a:p>
+            <a:r>
+              <a:rPr lang="en-US" sz="2200">
+                <a:latin typeface="Arial" panose="020B0604020202020204" pitchFamily="34" charset="0"/>
+                <a:cs typeface="Arial" panose="020B0604020202020204" pitchFamily="34" charset="0"/>
+              </a:rPr>
+              <a:t>Chatbot Examples</a:t>
+            </a:r>
+            <a:endParaRPr lang="en-US" sz="2200">
+              <a:latin typeface="Arial" panose="020B0604020202020204" pitchFamily="34" charset="0"/>
+              <a:cs typeface="Arial" panose="020B0604020202020204" pitchFamily="34" charset="0"/>
+            </a:endParaRPr>
+          </a:p>
+          <a:p>
+            <a:r>
+              <a:rPr lang="en-US" sz="2200">
+                <a:latin typeface="Arial" panose="020B0604020202020204" pitchFamily="34" charset="0"/>
+                <a:cs typeface="Arial" panose="020B0604020202020204" pitchFamily="34" charset="0"/>
+              </a:rPr>
+              <a:t>Chatbot Deployment Information</a:t>
+            </a:r>
+            <a:endParaRPr lang="en-US" sz="2200">
+              <a:latin typeface="Arial" panose="020B0604020202020204" pitchFamily="34" charset="0"/>
+              <a:cs typeface="Arial" panose="020B0604020202020204" pitchFamily="34" charset="0"/>
+            </a:endParaRPr>
+          </a:p>
+          <a:p>
+            <a:r>
+              <a:rPr lang="en-US" sz="2200">
+                <a:latin typeface="Arial" panose="020B0604020202020204" pitchFamily="34" charset="0"/>
+                <a:cs typeface="Arial" panose="020B0604020202020204" pitchFamily="34" charset="0"/>
+              </a:rPr>
+              <a:t>Tools Used</a:t>
+            </a:r>
+            <a:endParaRPr lang="en-US" sz="2200">
+              <a:latin typeface="Arial" panose="020B0604020202020204" pitchFamily="34" charset="0"/>
+              <a:cs typeface="Arial" panose="020B0604020202020204" pitchFamily="34" charset="0"/>
+            </a:endParaRPr>
+          </a:p>
+          <a:p>
+            <a:r>
+              <a:rPr lang="en-US" sz="2200">
+                <a:latin typeface="Arial" panose="020B0604020202020204" pitchFamily="34" charset="0"/>
+                <a:cs typeface="Arial" panose="020B0604020202020204" pitchFamily="34" charset="0"/>
+              </a:rPr>
+              <a:t>Challenges</a:t>
+            </a:r>
+            <a:endParaRPr lang="en-US" sz="2200">
+              <a:latin typeface="Arial" panose="020B0604020202020204" pitchFamily="34" charset="0"/>
+              <a:cs typeface="Arial" panose="020B0604020202020204" pitchFamily="34" charset="0"/>
+            </a:endParaRPr>
+          </a:p>
+          <a:p>
+            <a:r>
+              <a:rPr lang="en-US" sz="2200">
+                <a:latin typeface="Arial" panose="020B0604020202020204" pitchFamily="34" charset="0"/>
+                <a:cs typeface="Arial" panose="020B0604020202020204" pitchFamily="34" charset="0"/>
+              </a:rPr>
+              <a:t>Scope for Future Enhancement</a:t>
+            </a:r>
+            <a:endParaRPr lang="en-US" sz="2200">
+              <a:latin typeface="Arial" panose="020B0604020202020204" pitchFamily="34" charset="0"/>
+              <a:cs typeface="Arial" panose="020B0604020202020204" pitchFamily="34" charset="0"/>
+            </a:endParaRPr>
+          </a:p>
+          <a:p>
+            <a:r>
+              <a:rPr lang="en-US" sz="2200">
+                <a:latin typeface="Arial" panose="020B0604020202020204" pitchFamily="34" charset="0"/>
+                <a:cs typeface="Arial" panose="020B0604020202020204" pitchFamily="34" charset="0"/>
+              </a:rPr>
+              <a:t>Q&amp;A</a:t>
+            </a:r>
+            <a:endParaRPr lang="en-US" sz="2200">
+              <a:latin typeface="Arial" panose="020B0604020202020204" pitchFamily="34" charset="0"/>
+              <a:cs typeface="Arial" panose="020B0604020202020204" pitchFamily="34" charset="0"/>
+            </a:endParaRPr>
           </a:p>
         </p:txBody>
       </p:sp>
@@ -4400,7 +4997,12 @@
         <p:txBody>
           <a:bodyPr/>
           <a:p>
-            <a:endParaRPr lang="en-US"/>
+            <a:pPr algn="ctr"/>
+            <a:r>
+              <a:rPr lang="en-US" sz="3400"/>
+              <a:t>PROJECT OBJECTIVE</a:t>
+            </a:r>
+            <a:endParaRPr lang="en-US" sz="3400"/>
           </a:p>
         </p:txBody>
       </p:sp>
@@ -4414,15 +5016,57 @@
             <p:ph idx="1"/>
           </p:nvPr>
         </p:nvSpPr>
-        <p:spPr/>
+        <p:spPr>
+          <a:xfrm>
+            <a:off x="1596390" y="1480820"/>
+            <a:ext cx="9148445" cy="4646930"/>
+          </a:xfrm>
+        </p:spPr>
         <p:txBody>
           <a:bodyPr/>
           <a:p>
-            <a:r>
-              <a:rPr lang="en-US"/>
-              <a:t>mention what the assignment was</a:t>
-            </a:r>
-            <a:endParaRPr lang="en-US"/>
+            <a:pPr algn="l"/>
+            <a:r>
+              <a:rPr lang="en-US" sz="2200"/>
+              <a:t>Develop a generative Q&amp;A Chatbot capable of answering questions related to the financial reports of large public companies. </a:t>
+            </a:r>
+            <a:endParaRPr lang="en-US" sz="2200"/>
+          </a:p>
+          <a:p>
+            <a:pPr algn="l"/>
+            <a:endParaRPr lang="en-US" sz="2200"/>
+          </a:p>
+          <a:p>
+            <a:pPr algn="l"/>
+            <a:r>
+              <a:rPr lang="en-US" sz="2200"/>
+              <a:t>The chatbot must reference a knowledge base created from the provided PDF files of financial reports. </a:t>
+            </a:r>
+            <a:endParaRPr lang="en-US" sz="2200"/>
+          </a:p>
+          <a:p>
+            <a:pPr algn="l"/>
+            <a:endParaRPr lang="en-US" sz="2200"/>
+          </a:p>
+          <a:p>
+            <a:pPr algn="l"/>
+            <a:r>
+              <a:rPr lang="en-US" sz="2200"/>
+              <a:t>It should be grounded in this knowledge base to minimize hallucinations and ensure accurate information. </a:t>
+            </a:r>
+            <a:endParaRPr lang="en-US" sz="2200"/>
+          </a:p>
+          <a:p>
+            <a:pPr algn="l"/>
+            <a:endParaRPr lang="en-US" sz="2200"/>
+          </a:p>
+          <a:p>
+            <a:pPr algn="l"/>
+            <a:r>
+              <a:rPr lang="en-US" sz="2200"/>
+              <a:t>Deliver a working prototype of the chatbot along with the source code.</a:t>
+            </a:r>
+            <a:endParaRPr lang="en-US" sz="2200"/>
           </a:p>
         </p:txBody>
       </p:sp>
@@ -4460,10 +5104,10 @@
           <a:p>
             <a:pPr algn="ctr"/>
             <a:r>
-              <a:rPr lang="en-US" sz="4400"/>
+              <a:rPr lang="en-US" sz="3400"/>
               <a:t>DATA</a:t>
             </a:r>
-            <a:endParaRPr lang="en-US" sz="4400"/>
+            <a:endParaRPr lang="en-US" sz="3400"/>
           </a:p>
         </p:txBody>
       </p:sp>
@@ -4479,158 +5123,452 @@
         </p:nvSpPr>
         <p:spPr>
           <a:xfrm>
-            <a:off x="609600" y="1304925"/>
-            <a:ext cx="10972800" cy="5553075"/>
+            <a:off x="1029970" y="1282065"/>
+            <a:ext cx="10126345" cy="1169670"/>
           </a:xfrm>
         </p:spPr>
         <p:txBody>
           <a:bodyPr/>
+          <a:p>
+            <a:pPr algn="l">
+              <a:buFont typeface="Arial" panose="020B0604020202020204" pitchFamily="34" charset="0"/>
+              <a:buChar char="•"/>
+            </a:pPr>
+            <a:r>
+              <a:rPr lang="en-US" sz="2200">
+                <a:solidFill>
+                  <a:schemeClr val="tx1"/>
+                </a:solidFill>
+              </a:rPr>
+              <a:t>The financial report used for this project is the 10-K Report, a comprehensive document filed annually by public companies to detail their financial performance.</a:t>
+            </a:r>
+            <a:endParaRPr lang="en-US" sz="2200">
+              <a:solidFill>
+                <a:schemeClr val="tx1"/>
+              </a:solidFill>
+            </a:endParaRPr>
+          </a:p>
+          <a:p>
+            <a:pPr algn="l">
+              <a:buFont typeface="Arial" panose="020B0604020202020204" pitchFamily="34" charset="0"/>
+              <a:buChar char="•"/>
+            </a:pPr>
+            <a:r>
+              <a:rPr lang="en-US" sz="2200">
+                <a:solidFill>
+                  <a:schemeClr val="tx1"/>
+                </a:solidFill>
+              </a:rPr>
+              <a:t>The 10-K includes five distinct sections:</a:t>
+            </a:r>
+            <a:endParaRPr lang="en-US" sz="2200">
+              <a:solidFill>
+                <a:schemeClr val="tx1"/>
+              </a:solidFill>
+            </a:endParaRPr>
+          </a:p>
           <a:p>
             <a:pPr algn="just">
               <a:buFont typeface="Arial" panose="020B0604020202020204" pitchFamily="34" charset="0"/>
               <a:buChar char="•"/>
             </a:pPr>
-            <a:r>
-              <a:rPr lang="en-US" sz="2000">
-                <a:solidFill>
-                  <a:srgbClr val="FF0000"/>
-                </a:solidFill>
-              </a:rPr>
-              <a:t>Financial report considered for the project is 10-K Report which is a comprehensive report filed annually by public companies to showcase their financial performance.</a:t>
-            </a:r>
             <a:endParaRPr lang="en-US" sz="2000">
               <a:solidFill>
-                <a:srgbClr val="FF0000"/>
+                <a:schemeClr val="tx1"/>
               </a:solidFill>
             </a:endParaRPr>
-          </a:p>
-          <a:p>
-            <a:pPr algn="just">
-              <a:buFont typeface="Arial" panose="020B0604020202020204" pitchFamily="34" charset="0"/>
-              <a:buChar char="•"/>
-            </a:pPr>
-            <a:r>
-              <a:rPr lang="en-US" sz="2000"/>
-              <a:t>The 10-K includes five distinct sections:</a:t>
-            </a:r>
-            <a:endParaRPr lang="en-US" sz="2000"/>
-          </a:p>
-          <a:p>
-            <a:pPr lvl="1" algn="just">
-              <a:buFont typeface="Wingdings" panose="05000000000000000000" charset="0"/>
-              <a:buChar char="§"/>
-            </a:pPr>
-            <a:r>
-              <a:rPr lang="en-US" sz="2000" b="1" i="1"/>
-              <a:t>Business</a:t>
-            </a:r>
-            <a:r>
-              <a:rPr lang="en-US" sz="2000"/>
-              <a:t>: Overview of the company’s main operations, including its products and services.</a:t>
-            </a:r>
-            <a:endParaRPr lang="en-US" sz="2000"/>
-          </a:p>
-          <a:p>
-            <a:pPr lvl="1" algn="just">
-              <a:buFont typeface="Wingdings" panose="05000000000000000000" charset="0"/>
-              <a:buChar char="§"/>
-            </a:pPr>
-            <a:r>
-              <a:rPr lang="en-US" sz="2000" i="1"/>
-              <a:t>Risk Factors</a:t>
-            </a:r>
-            <a:r>
-              <a:rPr lang="en-US" sz="2000"/>
-              <a:t>: Risks the company faces or may face in the future. </a:t>
-            </a:r>
-            <a:endParaRPr lang="en-US" sz="2000"/>
-          </a:p>
-          <a:p>
-            <a:pPr lvl="1" algn="just">
-              <a:buFont typeface="Wingdings" panose="05000000000000000000" charset="0"/>
-              <a:buChar char="§"/>
-            </a:pPr>
-            <a:r>
-              <a:rPr lang="en-US" sz="2000" i="1"/>
-              <a:t>Selected Financial Data</a:t>
-            </a:r>
-            <a:r>
-              <a:rPr lang="en-US" sz="2000"/>
-              <a:t>: Financial information about the company over the last five years </a:t>
-            </a:r>
-            <a:r>
-              <a:rPr lang="en-US" sz="2000">
-                <a:solidFill>
-                  <a:srgbClr val="FF0000"/>
-                </a:solidFill>
-              </a:rPr>
-              <a:t>(mention yr)</a:t>
-            </a:r>
-            <a:r>
-              <a:rPr lang="en-US" sz="2000"/>
-              <a:t>. This section presents more of a near-term view of the company’s recent performance.</a:t>
-            </a:r>
-            <a:endParaRPr lang="en-US" sz="2000"/>
-          </a:p>
-          <a:p>
-            <a:pPr lvl="1" algn="just">
-              <a:buFont typeface="Wingdings" panose="05000000000000000000" charset="0"/>
-              <a:buChar char="§"/>
-            </a:pPr>
-            <a:r>
-              <a:rPr lang="en-US" sz="2000" i="1"/>
-              <a:t>Management’s Discussion and Analysis</a:t>
-            </a:r>
-            <a:r>
-              <a:rPr lang="en-US" sz="2000"/>
-              <a:t>: Explain its business results from the previous fiscal year. This section is where the company can tell its story in its own words.</a:t>
-            </a:r>
-            <a:endParaRPr lang="en-US" sz="2000"/>
-          </a:p>
-          <a:p>
-            <a:pPr lvl="1" algn="just">
-              <a:buFont typeface="Wingdings" panose="05000000000000000000" charset="0"/>
-              <a:buChar char="§"/>
-            </a:pPr>
-            <a:r>
-              <a:rPr lang="en-US" sz="2000" i="1"/>
-              <a:t>Financial Statements and Supplementary Data</a:t>
-            </a:r>
-            <a:r>
-              <a:rPr lang="en-US" sz="2000"/>
-              <a:t>:</a:t>
-            </a:r>
-            <a:r>
-              <a:rPr lang="en-US" sz="2000" b="1"/>
-              <a:t> </a:t>
-            </a:r>
-            <a:r>
-              <a:rPr lang="en-US" sz="2000"/>
-              <a:t>Audited financial statements including the income statement, balance sheets, and statement of cash flows. </a:t>
-            </a:r>
-            <a:endParaRPr lang="en-US" sz="2000"/>
           </a:p>
           <a:p>
             <a:pPr lvl="0" algn="just">
               <a:buFont typeface="Arial" panose="020B0604020202020204" pitchFamily="34" charset="0"/>
               <a:buChar char="•"/>
             </a:pPr>
-            <a:r>
-              <a:rPr lang="en-US" sz="2000"/>
-              <a:t>Sample size: 10-K Report (PDF format) of 10 firms are considered. </a:t>
-            </a:r>
-            <a:r>
-              <a:rPr lang="en-US" sz="2000">
-                <a:solidFill>
-                  <a:srgbClr val="FF0000"/>
-                </a:solidFill>
-              </a:rPr>
-              <a:t>mention the firms and how you arrived at considering these firms. why not same sector</a:t>
-            </a:r>
             <a:endParaRPr lang="en-US" sz="2000">
               <a:solidFill>
-                <a:srgbClr val="FF0000"/>
+                <a:schemeClr val="tx1"/>
               </a:solidFill>
+            </a:endParaRPr>
+          </a:p>
+        </p:txBody>
+      </p:sp>
+      <p:sp>
+        <p:nvSpPr>
+          <p:cNvPr id="10" name="Oval 9"/>
+          <p:cNvSpPr/>
+          <p:nvPr>
+            <p:custDataLst>
+              <p:tags r:id="rId1"/>
+            </p:custDataLst>
+          </p:nvPr>
+        </p:nvSpPr>
+        <p:spPr>
+          <a:xfrm>
+            <a:off x="5541010" y="3461385"/>
+            <a:ext cx="1005840" cy="934720"/>
+          </a:xfrm>
+          <a:prstGeom prst="ellipse">
+            <a:avLst/>
+          </a:prstGeom>
+          <a:solidFill>
+            <a:schemeClr val="accent6">
+              <a:lumMod val="60000"/>
+              <a:lumOff val="40000"/>
+            </a:schemeClr>
+          </a:solidFill>
+          <a:ln w="9525" cap="flat" cmpd="sng" algn="ctr">
+            <a:solidFill>
+              <a:schemeClr val="accent1"/>
+            </a:solidFill>
+            <a:prstDash val="solid"/>
+            <a:round/>
+            <a:headEnd type="none" w="med" len="med"/>
+            <a:tailEnd type="none" w="med" len="med"/>
+          </a:ln>
+        </p:spPr>
+        <p:txBody>
+          <a:bodyPr vert="horz" wrap="none" lIns="91440" tIns="45720" rIns="91440" bIns="45720" numCol="1" anchor="ctr" anchorCtr="0" compatLnSpc="1"/>
+          <a:p>
+            <a:pPr marL="0" marR="0" indent="0" algn="l" defTabSz="914400" rtl="0" eaLnBrk="1" fontAlgn="base" latinLnBrk="0" hangingPunct="1">
+              <a:lnSpc>
+                <a:spcPct val="100000"/>
+              </a:lnSpc>
+              <a:spcBef>
+                <a:spcPct val="0"/>
+              </a:spcBef>
+              <a:spcAft>
+                <a:spcPct val="0"/>
+              </a:spcAft>
+              <a:buClrTx/>
+              <a:buSzTx/>
+              <a:buFontTx/>
+              <a:buNone/>
+            </a:pPr>
+            <a:endParaRPr kumimoji="0" lang="zh-CN" altLang="en-US" b="0" i="0" u="none" strike="noStrike" cap="none" normalizeH="0" baseline="0" smtClean="0">
+              <a:ln>
+                <a:noFill/>
+              </a:ln>
+              <a:solidFill>
+                <a:schemeClr val="tx1"/>
+              </a:solidFill>
+              <a:effectLst/>
+              <a:latin typeface="Arial" panose="020B0604020202020204" pitchFamily="34" charset="0"/>
+              <a:ea typeface="SimSun" panose="02010600030101010101" pitchFamily="2" charset="-122"/>
+              <a:cs typeface="Arial" panose="020B0604020202020204" pitchFamily="34" charset="0"/>
+            </a:endParaRPr>
+          </a:p>
+        </p:txBody>
+      </p:sp>
+      <p:sp>
+        <p:nvSpPr>
+          <p:cNvPr id="11" name="Text Box 10"/>
+          <p:cNvSpPr txBox="1"/>
+          <p:nvPr>
+            <p:custDataLst>
+              <p:tags r:id="rId2"/>
+            </p:custDataLst>
+          </p:nvPr>
+        </p:nvSpPr>
+        <p:spPr>
+          <a:xfrm>
+            <a:off x="5712460" y="3703955"/>
+            <a:ext cx="662305" cy="449580"/>
+          </a:xfrm>
+          <a:prstGeom prst="rect">
+            <a:avLst/>
+          </a:prstGeom>
+          <a:noFill/>
+        </p:spPr>
+        <p:txBody>
+          <a:bodyPr wrap="square" rtlCol="0">
+            <a:noAutofit/>
+          </a:bodyPr>
+          <a:p>
+            <a:r>
+              <a:rPr lang="en-US" b="1">
+                <a:latin typeface="Arial" panose="020B0604020202020204" pitchFamily="34" charset="0"/>
+                <a:cs typeface="Arial" panose="020B0604020202020204" pitchFamily="34" charset="0"/>
+              </a:rPr>
+              <a:t>10K</a:t>
+            </a:r>
+            <a:endParaRPr lang="en-US" b="1">
+              <a:latin typeface="Arial" panose="020B0604020202020204" pitchFamily="34" charset="0"/>
+              <a:cs typeface="Arial" panose="020B0604020202020204" pitchFamily="34" charset="0"/>
+            </a:endParaRPr>
+          </a:p>
+        </p:txBody>
+      </p:sp>
+      <p:sp>
+        <p:nvSpPr>
+          <p:cNvPr id="14" name="Text Box 13"/>
+          <p:cNvSpPr txBox="1"/>
+          <p:nvPr>
+            <p:custDataLst>
+              <p:tags r:id="rId3"/>
+            </p:custDataLst>
+          </p:nvPr>
+        </p:nvSpPr>
+        <p:spPr>
+          <a:xfrm>
+            <a:off x="2750185" y="3151505"/>
+            <a:ext cx="2337435" cy="970915"/>
+          </a:xfrm>
+          <a:prstGeom prst="rect">
+            <a:avLst/>
+          </a:prstGeom>
+          <a:solidFill>
+            <a:schemeClr val="bg2">
+              <a:lumMod val="40000"/>
+              <a:lumOff val="60000"/>
+            </a:schemeClr>
+          </a:solidFill>
+        </p:spPr>
+        <p:txBody>
+          <a:bodyPr wrap="square" rtlCol="0">
+            <a:noAutofit/>
+          </a:bodyPr>
+          <a:p>
+            <a:pPr algn="just"/>
+            <a:r>
+              <a:rPr lang="en-US" sz="1600" b="1">
+                <a:latin typeface="Arial" panose="020B0604020202020204" pitchFamily="34" charset="0"/>
+                <a:cs typeface="Arial" panose="020B0604020202020204" pitchFamily="34" charset="0"/>
+                <a:sym typeface="+mn-ea"/>
+              </a:rPr>
+              <a:t>Business : </a:t>
+            </a:r>
+            <a:r>
+              <a:rPr lang="en-US" sz="1600">
+                <a:latin typeface="Arial" panose="020B0604020202020204" pitchFamily="34" charset="0"/>
+                <a:cs typeface="Arial" panose="020B0604020202020204" pitchFamily="34" charset="0"/>
+                <a:sym typeface="+mn-ea"/>
+              </a:rPr>
+              <a:t>Overview of the firm, including products and services</a:t>
+            </a:r>
+            <a:r>
+              <a:rPr lang="en-US" sz="1600" i="1">
+                <a:latin typeface="Arial" panose="020B0604020202020204" pitchFamily="34" charset="0"/>
+                <a:cs typeface="Arial" panose="020B0604020202020204" pitchFamily="34" charset="0"/>
+                <a:sym typeface="+mn-ea"/>
+              </a:rPr>
+              <a:t>.</a:t>
+            </a:r>
+            <a:endParaRPr lang="en-US" sz="1600" i="1">
+              <a:latin typeface="Arial" panose="020B0604020202020204" pitchFamily="34" charset="0"/>
+              <a:cs typeface="Arial" panose="020B0604020202020204" pitchFamily="34" charset="0"/>
+            </a:endParaRPr>
+          </a:p>
+        </p:txBody>
+      </p:sp>
+      <p:sp>
+        <p:nvSpPr>
+          <p:cNvPr id="21" name="Text Box 20"/>
+          <p:cNvSpPr txBox="1"/>
+          <p:nvPr>
+            <p:custDataLst>
+              <p:tags r:id="rId4"/>
+            </p:custDataLst>
+          </p:nvPr>
+        </p:nvSpPr>
+        <p:spPr>
+          <a:xfrm>
+            <a:off x="6999605" y="3151505"/>
+            <a:ext cx="2295525" cy="970915"/>
+          </a:xfrm>
+          <a:prstGeom prst="rect">
+            <a:avLst/>
+          </a:prstGeom>
+          <a:solidFill>
+            <a:schemeClr val="bg2">
+              <a:lumMod val="40000"/>
+              <a:lumOff val="60000"/>
+            </a:schemeClr>
+          </a:solidFill>
+        </p:spPr>
+        <p:txBody>
+          <a:bodyPr wrap="square" rtlCol="0">
+            <a:noAutofit/>
+          </a:bodyPr>
+          <a:p>
+            <a:pPr algn="just"/>
+            <a:r>
+              <a:rPr lang="en-US" sz="1600" b="1">
+                <a:latin typeface="Arial" panose="020B0604020202020204" pitchFamily="34" charset="0"/>
+                <a:cs typeface="Arial" panose="020B0604020202020204" pitchFamily="34" charset="0"/>
+                <a:sym typeface="+mn-ea"/>
+              </a:rPr>
+              <a:t>Risk Factors</a:t>
+            </a:r>
+            <a:r>
+              <a:rPr lang="en-US" sz="1600">
+                <a:latin typeface="Arial" panose="020B0604020202020204" pitchFamily="34" charset="0"/>
+                <a:cs typeface="Arial" panose="020B0604020202020204" pitchFamily="34" charset="0"/>
+                <a:sym typeface="+mn-ea"/>
+              </a:rPr>
+              <a:t>: Risks the firm faces or may face in the future.</a:t>
+            </a:r>
+            <a:endParaRPr lang="en-US" sz="1600">
+              <a:latin typeface="Arial" panose="020B0604020202020204" pitchFamily="34" charset="0"/>
+              <a:cs typeface="Arial" panose="020B0604020202020204" pitchFamily="34" charset="0"/>
+            </a:endParaRPr>
+          </a:p>
+        </p:txBody>
+      </p:sp>
+      <p:sp>
+        <p:nvSpPr>
+          <p:cNvPr id="23" name="Text Box 22"/>
+          <p:cNvSpPr txBox="1"/>
+          <p:nvPr>
+            <p:custDataLst>
+              <p:tags r:id="rId5"/>
+            </p:custDataLst>
+          </p:nvPr>
+        </p:nvSpPr>
+        <p:spPr>
+          <a:xfrm>
+            <a:off x="1346200" y="4323715"/>
+            <a:ext cx="2740660" cy="1149985"/>
+          </a:xfrm>
+          <a:prstGeom prst="rect">
+            <a:avLst/>
+          </a:prstGeom>
+          <a:solidFill>
+            <a:schemeClr val="accent3">
+              <a:lumMod val="85000"/>
+            </a:schemeClr>
+          </a:solidFill>
+        </p:spPr>
+        <p:txBody>
+          <a:bodyPr wrap="square" rtlCol="0">
+            <a:noAutofit/>
+          </a:bodyPr>
+          <a:p>
+            <a:pPr algn="just"/>
+            <a:r>
+              <a:rPr lang="en-US" sz="1600" b="1">
+                <a:latin typeface="Arial" panose="020B0604020202020204" pitchFamily="34" charset="0"/>
+                <a:cs typeface="Arial" panose="020B0604020202020204" pitchFamily="34" charset="0"/>
+              </a:rPr>
+              <a:t>Selected Financial Data: </a:t>
+            </a:r>
+            <a:r>
+              <a:rPr lang="en-US" sz="1600">
+                <a:latin typeface="Arial" panose="020B0604020202020204" pitchFamily="34" charset="0"/>
+                <a:cs typeface="Arial" panose="020B0604020202020204" pitchFamily="34" charset="0"/>
+              </a:rPr>
+              <a:t>Financial information of past years to analyze recent performance.</a:t>
+            </a:r>
+            <a:endParaRPr lang="en-US" sz="1600">
+              <a:latin typeface="Arial" panose="020B0604020202020204" pitchFamily="34" charset="0"/>
+              <a:cs typeface="Arial" panose="020B0604020202020204" pitchFamily="34" charset="0"/>
+            </a:endParaRPr>
+          </a:p>
+        </p:txBody>
+      </p:sp>
+      <p:sp>
+        <p:nvSpPr>
+          <p:cNvPr id="25" name="Text Box 24"/>
+          <p:cNvSpPr txBox="1"/>
+          <p:nvPr>
+            <p:custDataLst>
+              <p:tags r:id="rId6"/>
+            </p:custDataLst>
+          </p:nvPr>
+        </p:nvSpPr>
+        <p:spPr>
+          <a:xfrm>
+            <a:off x="8105775" y="4323715"/>
+            <a:ext cx="2772410" cy="1149985"/>
+          </a:xfrm>
+          <a:prstGeom prst="rect">
+            <a:avLst/>
+          </a:prstGeom>
+          <a:solidFill>
+            <a:schemeClr val="bg2">
+              <a:lumMod val="40000"/>
+              <a:lumOff val="60000"/>
+            </a:schemeClr>
+          </a:solidFill>
+        </p:spPr>
+        <p:txBody>
+          <a:bodyPr wrap="square" rtlCol="0">
+            <a:noAutofit/>
+          </a:bodyPr>
+          <a:p>
+            <a:pPr algn="just"/>
+            <a:r>
+              <a:rPr lang="en-US" sz="1600" b="1">
+                <a:latin typeface="Arial" panose="020B0604020202020204" pitchFamily="34" charset="0"/>
+                <a:cs typeface="Arial" panose="020B0604020202020204" pitchFamily="34" charset="0"/>
+                <a:sym typeface="+mn-ea"/>
+              </a:rPr>
+              <a:t>Management’s Discussion and Analysis</a:t>
+            </a:r>
+            <a:r>
+              <a:rPr lang="en-US" sz="1600">
+                <a:latin typeface="Arial" panose="020B0604020202020204" pitchFamily="34" charset="0"/>
+                <a:cs typeface="Arial" panose="020B0604020202020204" pitchFamily="34" charset="0"/>
+                <a:sym typeface="+mn-ea"/>
+              </a:rPr>
+              <a:t>: Explain the business results of the previous fiscal year.</a:t>
+            </a:r>
+            <a:endParaRPr lang="en-US" sz="1600">
+              <a:latin typeface="Arial" panose="020B0604020202020204" pitchFamily="34" charset="0"/>
+              <a:cs typeface="Arial" panose="020B0604020202020204" pitchFamily="34" charset="0"/>
+              <a:sym typeface="+mn-ea"/>
+            </a:endParaRPr>
+          </a:p>
+        </p:txBody>
+      </p:sp>
+      <p:sp>
+        <p:nvSpPr>
+          <p:cNvPr id="27" name="Text Box 26"/>
+          <p:cNvSpPr txBox="1"/>
+          <p:nvPr>
+            <p:custDataLst>
+              <p:tags r:id="rId7"/>
+            </p:custDataLst>
+          </p:nvPr>
+        </p:nvSpPr>
+        <p:spPr>
+          <a:xfrm>
+            <a:off x="4544060" y="4744720"/>
+            <a:ext cx="3103880" cy="1422400"/>
+          </a:xfrm>
+          <a:prstGeom prst="rect">
+            <a:avLst/>
+          </a:prstGeom>
+          <a:solidFill>
+            <a:schemeClr val="accent3">
+              <a:lumMod val="85000"/>
+            </a:schemeClr>
+          </a:solidFill>
+        </p:spPr>
+        <p:txBody>
+          <a:bodyPr wrap="square" rtlCol="0">
+            <a:noAutofit/>
+          </a:bodyPr>
+          <a:p>
+            <a:pPr algn="just"/>
+            <a:r>
+              <a:rPr lang="en-US" sz="1600" b="1">
+                <a:latin typeface="Arial" panose="020B0604020202020204" pitchFamily="34" charset="0"/>
+                <a:cs typeface="Arial" panose="020B0604020202020204" pitchFamily="34" charset="0"/>
+                <a:sym typeface="+mn-ea"/>
+              </a:rPr>
+              <a:t>Financial Statements and Supplementary Data</a:t>
+            </a:r>
+            <a:r>
+              <a:rPr lang="en-US" sz="1600">
+                <a:latin typeface="Arial" panose="020B0604020202020204" pitchFamily="34" charset="0"/>
+                <a:cs typeface="Arial" panose="020B0604020202020204" pitchFamily="34" charset="0"/>
+                <a:sym typeface="+mn-ea"/>
+              </a:rPr>
+              <a:t>: Audited financial statements like income statement, balance sheets, and cash flows.</a:t>
+            </a:r>
+            <a:endParaRPr lang="en-US" sz="1600">
+              <a:latin typeface="Arial" panose="020B0604020202020204" pitchFamily="34" charset="0"/>
+              <a:cs typeface="Arial" panose="020B0604020202020204" pitchFamily="34" charset="0"/>
+              <a:sym typeface="+mn-ea"/>
             </a:endParaRPr>
           </a:p>
         </p:txBody>
@@ -4669,10 +5607,10 @@
           <a:p>
             <a:pPr algn="ctr"/>
             <a:r>
-              <a:rPr lang="en-US" sz="4400"/>
-              <a:t>OVERALL APPROACH</a:t>
-            </a:r>
-            <a:endParaRPr lang="en-US" sz="4400"/>
+              <a:rPr lang="en-US" sz="3400"/>
+              <a:t>DATA</a:t>
+            </a:r>
+            <a:endParaRPr lang="en-US" sz="3400"/>
           </a:p>
         </p:txBody>
       </p:sp>
@@ -4688,57 +5626,207 @@
         </p:nvSpPr>
         <p:spPr>
           <a:xfrm>
-            <a:off x="1611630" y="1774825"/>
-            <a:ext cx="8968105" cy="4953000"/>
+            <a:off x="1626870" y="1307465"/>
+            <a:ext cx="9034780" cy="5021580"/>
           </a:xfrm>
         </p:spPr>
         <p:txBody>
           <a:bodyPr/>
           <a:p>
-            <a:r>
-              <a:rPr lang="en-US" sz="2200"/>
-              <a:t>RAG (Retrieval-Augmented Generation) approach is used.</a:t>
-            </a:r>
-            <a:endParaRPr lang="en-US" sz="2200"/>
-          </a:p>
-          <a:p>
-            <a:pPr marL="0" indent="0">
+            <a:pPr algn="l"/>
+            <a:r>
+              <a:rPr lang="en-US" sz="2200">
+                <a:sym typeface="+mn-ea"/>
+              </a:rPr>
+              <a:t>The 10-K reports (in PDF format) of ten firms have been selected for this project</a:t>
+            </a:r>
+            <a:endParaRPr lang="en-US" sz="2200">
+              <a:sym typeface="+mn-ea"/>
+            </a:endParaRPr>
+          </a:p>
+          <a:p>
+            <a:pPr marL="0" indent="0" algn="l">
               <a:buNone/>
             </a:pPr>
-            <a:endParaRPr lang="en-US" sz="2200"/>
-          </a:p>
-          <a:p>
-            <a:r>
-              <a:rPr lang="en-US" sz="2200"/>
-              <a:t>Data source (PDF) is extracted, processed and stored as a vector store.</a:t>
-            </a:r>
-            <a:endParaRPr lang="en-US" sz="2200"/>
-          </a:p>
-          <a:p>
-            <a:pPr marL="0" indent="0">
+            <a:endParaRPr lang="en-US" sz="2200">
+              <a:sym typeface="+mn-ea"/>
+            </a:endParaRPr>
+          </a:p>
+          <a:p>
+            <a:pPr algn="l"/>
+            <a:r>
+              <a:rPr lang="en-US" sz="2200">
+                <a:sym typeface="+mn-ea"/>
+              </a:rPr>
+              <a:t>The chosen firms are:</a:t>
+            </a:r>
+            <a:endParaRPr lang="en-US" sz="2200">
+              <a:sym typeface="+mn-ea"/>
+            </a:endParaRPr>
+          </a:p>
+          <a:p>
+            <a:pPr marL="914400" lvl="1" indent="-457200" algn="l">
+              <a:buFont typeface="+mj-lt"/>
+              <a:buAutoNum type="arabicPeriod"/>
+            </a:pPr>
+            <a:r>
+              <a:rPr lang="en-US" sz="2000">
+                <a:sym typeface="+mn-ea"/>
+              </a:rPr>
+              <a:t>Amazon</a:t>
+            </a:r>
+            <a:endParaRPr lang="en-US" sz="2000">
+              <a:sym typeface="+mn-ea"/>
+            </a:endParaRPr>
+          </a:p>
+          <a:p>
+            <a:pPr marL="914400" lvl="1" indent="-457200" algn="l">
+              <a:buFont typeface="+mj-lt"/>
+              <a:buAutoNum type="arabicPeriod"/>
+            </a:pPr>
+            <a:r>
+              <a:rPr lang="en-US" sz="2000">
+                <a:sym typeface="+mn-ea"/>
+              </a:rPr>
+              <a:t>Apple</a:t>
+            </a:r>
+            <a:endParaRPr lang="en-US" sz="2000">
+              <a:sym typeface="+mn-ea"/>
+            </a:endParaRPr>
+          </a:p>
+          <a:p>
+            <a:pPr marL="914400" lvl="1" indent="-457200" algn="l">
+              <a:buFont typeface="+mj-lt"/>
+              <a:buAutoNum type="arabicPeriod"/>
+            </a:pPr>
+            <a:r>
+              <a:rPr lang="en-US" sz="2000">
+                <a:sym typeface="+mn-ea"/>
+              </a:rPr>
+              <a:t>Citigroup</a:t>
+            </a:r>
+            <a:endParaRPr lang="en-US" sz="2000">
+              <a:sym typeface="+mn-ea"/>
+            </a:endParaRPr>
+          </a:p>
+          <a:p>
+            <a:pPr marL="914400" lvl="1" indent="-457200" algn="l">
+              <a:buFont typeface="+mj-lt"/>
+              <a:buAutoNum type="arabicPeriod"/>
+            </a:pPr>
+            <a:r>
+              <a:rPr lang="en-US" sz="2000">
+                <a:sym typeface="+mn-ea"/>
+              </a:rPr>
+              <a:t>FedEx</a:t>
+            </a:r>
+            <a:endParaRPr lang="en-US" sz="2000">
+              <a:sym typeface="+mn-ea"/>
+            </a:endParaRPr>
+          </a:p>
+          <a:p>
+            <a:pPr marL="914400" lvl="1" indent="-457200" algn="l">
+              <a:buFont typeface="+mj-lt"/>
+              <a:buAutoNum type="arabicPeriod"/>
+            </a:pPr>
+            <a:r>
+              <a:rPr lang="en-US" sz="2000">
+                <a:sym typeface="+mn-ea"/>
+              </a:rPr>
+              <a:t>Ford</a:t>
+            </a:r>
+            <a:endParaRPr lang="en-US" sz="2000">
+              <a:sym typeface="+mn-ea"/>
+            </a:endParaRPr>
+          </a:p>
+          <a:p>
+            <a:pPr marL="914400" lvl="1" indent="-457200" algn="l">
+              <a:buFont typeface="+mj-lt"/>
+              <a:buAutoNum type="arabicPeriod"/>
+            </a:pPr>
+            <a:r>
+              <a:rPr lang="en-US" sz="2000">
+                <a:sym typeface="+mn-ea"/>
+              </a:rPr>
+              <a:t>Google</a:t>
+            </a:r>
+            <a:endParaRPr lang="en-US" sz="2000">
+              <a:sym typeface="+mn-ea"/>
+            </a:endParaRPr>
+          </a:p>
+          <a:p>
+            <a:pPr marL="914400" lvl="1" indent="-457200" algn="l">
+              <a:buFont typeface="+mj-lt"/>
+              <a:buAutoNum type="arabicPeriod"/>
+            </a:pPr>
+            <a:r>
+              <a:rPr lang="en-US" sz="2000">
+                <a:sym typeface="+mn-ea"/>
+              </a:rPr>
+              <a:t>Microsoft</a:t>
+            </a:r>
+            <a:endParaRPr lang="en-US" sz="2000">
+              <a:sym typeface="+mn-ea"/>
+            </a:endParaRPr>
+          </a:p>
+          <a:p>
+            <a:pPr marL="914400" lvl="1" indent="-457200" algn="l">
+              <a:buFont typeface="+mj-lt"/>
+              <a:buAutoNum type="arabicPeriod"/>
+            </a:pPr>
+            <a:r>
+              <a:rPr lang="en-US" sz="2000">
+                <a:sym typeface="+mn-ea"/>
+              </a:rPr>
+              <a:t>PepsiCo</a:t>
+            </a:r>
+            <a:endParaRPr lang="en-US" sz="2000">
+              <a:sym typeface="+mn-ea"/>
+            </a:endParaRPr>
+          </a:p>
+          <a:p>
+            <a:pPr marL="914400" lvl="1" indent="-457200" algn="l">
+              <a:buFont typeface="+mj-lt"/>
+              <a:buAutoNum type="arabicPeriod"/>
+            </a:pPr>
+            <a:r>
+              <a:rPr lang="en-US" sz="2000">
+                <a:sym typeface="+mn-ea"/>
+              </a:rPr>
+              <a:t>Tesla</a:t>
+            </a:r>
+            <a:endParaRPr lang="en-US" sz="2000">
+              <a:sym typeface="+mn-ea"/>
+            </a:endParaRPr>
+          </a:p>
+          <a:p>
+            <a:pPr marL="914400" lvl="1" indent="-457200" algn="l">
+              <a:buFont typeface="+mj-lt"/>
+              <a:buAutoNum type="arabicPeriod"/>
+            </a:pPr>
+            <a:r>
+              <a:rPr lang="en-US" sz="2000">
+                <a:sym typeface="+mn-ea"/>
+              </a:rPr>
+              <a:t>Walmart.</a:t>
+            </a:r>
+            <a:endParaRPr lang="en-US" sz="2000">
+              <a:sym typeface="+mn-ea"/>
+            </a:endParaRPr>
+          </a:p>
+          <a:p>
+            <a:pPr marL="0" indent="0" algn="l">
               <a:buNone/>
             </a:pPr>
-            <a:endParaRPr lang="en-US" sz="2200"/>
-          </a:p>
-          <a:p>
-            <a:r>
-              <a:rPr lang="en-US" sz="2200"/>
-              <a:t>The required data for answering the question is retrieved from the vector store.</a:t>
-            </a:r>
-            <a:endParaRPr lang="en-US" sz="2200"/>
-          </a:p>
-          <a:p>
-            <a:pPr marL="0" indent="0">
-              <a:buNone/>
-            </a:pPr>
-            <a:endParaRPr lang="en-US" sz="2200"/>
-          </a:p>
-          <a:p>
-            <a:r>
-              <a:rPr lang="en-US" sz="2200"/>
-              <a:t>The retrieved data is passed as context to LLM from which the answer is found, if present.</a:t>
-            </a:r>
-            <a:endParaRPr lang="en-US" sz="2200"/>
+            <a:endParaRPr lang="en-US" sz="2200">
+              <a:sym typeface="+mn-ea"/>
+            </a:endParaRPr>
+          </a:p>
+          <a:p>
+            <a:pPr algn="l"/>
+            <a:endParaRPr lang="en-US" sz="2200">
+              <a:sym typeface="+mn-ea"/>
+            </a:endParaRPr>
           </a:p>
         </p:txBody>
       </p:sp>
@@ -4776,75 +5864,68 @@
           <a:p>
             <a:pPr algn="ctr"/>
             <a:r>
-              <a:rPr lang="en-US"/>
-              <a:t>FLOW DIGRAM</a:t>
-            </a:r>
-            <a:endParaRPr lang="en-US"/>
-          </a:p>
-        </p:txBody>
-      </p:sp>
-      <p:pic>
-        <p:nvPicPr>
-          <p:cNvPr id="4" name="Picture 3"/>
-          <p:cNvPicPr>
-            <a:picLocks noChangeAspect="1"/>
-          </p:cNvPicPr>
-          <p:nvPr>
-            <p:custDataLst>
-              <p:tags r:id="rId1"/>
-            </p:custDataLst>
-          </p:nvPr>
-        </p:nvPicPr>
-        <p:blipFill>
-          <a:blip r:embed="rId2"/>
-          <a:stretch>
-            <a:fillRect/>
-          </a:stretch>
-        </p:blipFill>
+              <a:rPr lang="en-US" sz="3400"/>
+              <a:t>OVERALL APPROACH</a:t>
+            </a:r>
+            <a:endParaRPr lang="en-US" sz="3400"/>
+          </a:p>
+        </p:txBody>
+      </p:sp>
+      <p:sp>
+        <p:nvSpPr>
+          <p:cNvPr id="3" name="Content Placeholder 2"/>
+          <p:cNvSpPr>
+            <a:spLocks noGrp="1"/>
+          </p:cNvSpPr>
+          <p:nvPr>
+            <p:ph idx="1"/>
+          </p:nvPr>
+        </p:nvSpPr>
         <p:spPr>
           <a:xfrm>
-            <a:off x="1398905" y="959485"/>
-            <a:ext cx="9780905" cy="5608955"/>
+            <a:off x="1611630" y="1774825"/>
+            <a:ext cx="8968105" cy="4576445"/>
           </a:xfrm>
-          <a:prstGeom prst="rect">
-            <a:avLst/>
-          </a:prstGeom>
         </p:spPr>
-      </p:pic>
-      <p:sp>
-        <p:nvSpPr>
-          <p:cNvPr id="6" name="Text Box 5"/>
-          <p:cNvSpPr txBox="1"/>
-          <p:nvPr/>
-        </p:nvSpPr>
-        <p:spPr>
-          <a:xfrm>
-            <a:off x="9352915" y="6551295"/>
-            <a:ext cx="3958590" cy="306705"/>
-          </a:xfrm>
-          <a:prstGeom prst="rect">
-            <a:avLst/>
-          </a:prstGeom>
-          <a:noFill/>
-        </p:spPr>
-        <p:txBody>
-          <a:bodyPr wrap="square" rtlCol="0">
-            <a:spAutoFit/>
-          </a:bodyPr>
-          <a:p>
-            <a:r>
-              <a:rPr lang="en-US" sz="1400">
-                <a:solidFill>
-                  <a:srgbClr val="FF0000"/>
-                </a:solidFill>
-              </a:rPr>
-              <a:t>Credits: mention website link</a:t>
-            </a:r>
-            <a:endParaRPr lang="en-US" sz="1400">
-              <a:solidFill>
-                <a:srgbClr val="FF0000"/>
-              </a:solidFill>
-            </a:endParaRPr>
+        <p:txBody>
+          <a:bodyPr/>
+          <a:p>
+            <a:r>
+              <a:rPr lang="en-US" sz="2200"/>
+              <a:t>The RAG (Retrieval-Augmented Generation) approach is used.</a:t>
+            </a:r>
+            <a:endParaRPr lang="en-US" sz="2200"/>
+          </a:p>
+          <a:p>
+            <a:endParaRPr lang="en-US" sz="2200"/>
+          </a:p>
+          <a:p>
+            <a:pPr algn="l"/>
+            <a:r>
+              <a:rPr lang="en-US" sz="2200"/>
+              <a:t>Data source (PDF) is extracted, processed and stored as a vector store.</a:t>
+            </a:r>
+            <a:endParaRPr lang="en-US" sz="2200"/>
+          </a:p>
+          <a:p>
+            <a:endParaRPr lang="en-US" sz="2200"/>
+          </a:p>
+          <a:p>
+            <a:r>
+              <a:rPr lang="en-US" sz="2200"/>
+              <a:t>The required data for answering the question is retrieved from the vector store.</a:t>
+            </a:r>
+            <a:endParaRPr lang="en-US" sz="2200"/>
+          </a:p>
+          <a:p>
+            <a:endParaRPr lang="en-US" sz="2200"/>
+          </a:p>
+          <a:p>
+            <a:r>
+              <a:rPr lang="en-US" sz="2200"/>
+              <a:t>The retrieved data is passed as context to LLM from which the answer is found, if present.</a:t>
+            </a:r>
+            <a:endParaRPr lang="en-US" sz="2200"/>
           </a:p>
         </p:txBody>
       </p:sp>
@@ -4882,79 +5963,84 @@
           <a:p>
             <a:pPr algn="ctr"/>
             <a:r>
-              <a:rPr lang="en-US"/>
-              <a:t>FLOW DIAGRAM - INDEXING</a:t>
-            </a:r>
-            <a:endParaRPr lang="en-US"/>
-          </a:p>
-        </p:txBody>
-      </p:sp>
-      <p:sp>
-        <p:nvSpPr>
-          <p:cNvPr id="3" name="Content Placeholder 2"/>
-          <p:cNvSpPr>
-            <a:spLocks noGrp="1"/>
-          </p:cNvSpPr>
-          <p:nvPr>
-            <p:ph idx="1"/>
-          </p:nvPr>
-        </p:nvSpPr>
+              <a:rPr lang="en-US" sz="3400"/>
+              <a:t>FLOW DIAGRAM</a:t>
+            </a:r>
+            <a:endParaRPr lang="en-US" sz="3400"/>
+          </a:p>
+        </p:txBody>
+      </p:sp>
+      <p:pic>
+        <p:nvPicPr>
+          <p:cNvPr id="4" name="Picture 3"/>
+          <p:cNvPicPr>
+            <a:picLocks noChangeAspect="1"/>
+          </p:cNvPicPr>
+          <p:nvPr>
+            <p:custDataLst>
+              <p:tags r:id="rId1"/>
+            </p:custDataLst>
+          </p:nvPr>
+        </p:nvPicPr>
+        <p:blipFill>
+          <a:blip r:embed="rId2"/>
+          <a:stretch>
+            <a:fillRect/>
+          </a:stretch>
+        </p:blipFill>
         <p:spPr>
           <a:xfrm>
-            <a:off x="1891665" y="1470025"/>
-            <a:ext cx="9690735" cy="4982845"/>
+            <a:off x="1099820" y="942340"/>
+            <a:ext cx="9780905" cy="5608955"/>
           </a:xfrm>
+          <a:prstGeom prst="rect">
+            <a:avLst/>
+          </a:prstGeom>
         </p:spPr>
-        <p:txBody>
-          <a:bodyPr/>
-          <a:p>
-            <a:r>
-              <a:rPr lang="en-US" sz="2200"/>
-              <a:t>PDF extracted to markdown format using LlamaParse API.</a:t>
-            </a:r>
-            <a:endParaRPr lang="en-US" sz="2200"/>
-          </a:p>
-          <a:p>
-            <a:pPr marL="0" indent="0">
-              <a:buNone/>
-            </a:pPr>
-            <a:endParaRPr lang="en-US" sz="2200"/>
-          </a:p>
-          <a:p>
-            <a:r>
-              <a:rPr lang="en-US" sz="2200"/>
-              <a:t>Extracted text split to multiple chunk sizes using Langchains RecursiveCharacterTextSplitter</a:t>
-            </a:r>
-            <a:endParaRPr lang="en-US" sz="2200"/>
-          </a:p>
-          <a:p>
-            <a:pPr marL="0" indent="0">
-              <a:buNone/>
-            </a:pPr>
-            <a:endParaRPr lang="en-US" sz="2200"/>
-          </a:p>
-          <a:p>
-            <a:r>
-              <a:rPr lang="en-US" sz="2200"/>
-              <a:t>The text chunks are converted to vector store by FAISS using OpenAI Embeddings.</a:t>
-            </a:r>
-            <a:endParaRPr lang="en-US" sz="2200"/>
-          </a:p>
-          <a:p>
-            <a:pPr marL="0" indent="0">
-              <a:buNone/>
-            </a:pPr>
-            <a:endParaRPr lang="en-US" sz="2200"/>
-          </a:p>
-          <a:p>
-            <a:r>
-              <a:rPr lang="en-US" sz="2200"/>
-              <a:t>The created vector store are saved for next step.</a:t>
-            </a:r>
-            <a:endParaRPr lang="en-US" sz="2200"/>
-          </a:p>
-          <a:p>
-            <a:endParaRPr lang="en-US" sz="2200"/>
+      </p:pic>
+      <p:sp>
+        <p:nvSpPr>
+          <p:cNvPr id="6" name="Text Box 5"/>
+          <p:cNvSpPr txBox="1"/>
+          <p:nvPr/>
+        </p:nvSpPr>
+        <p:spPr>
+          <a:xfrm>
+            <a:off x="9471025" y="6551295"/>
+            <a:ext cx="2720975" cy="306705"/>
+          </a:xfrm>
+          <a:prstGeom prst="rect">
+            <a:avLst/>
+          </a:prstGeom>
+          <a:noFill/>
+        </p:spPr>
+        <p:txBody>
+          <a:bodyPr wrap="square" rtlCol="0">
+            <a:spAutoFit/>
+          </a:bodyPr>
+          <a:p>
+            <a:r>
+              <a:rPr lang="en-US" sz="1400">
+                <a:solidFill>
+                  <a:schemeClr val="tx1"/>
+                </a:solidFill>
+              </a:rPr>
+              <a:t>Credits: </a:t>
+            </a:r>
+            <a:r>
+              <a:rPr lang="en-US" sz="1400">
+                <a:solidFill>
+                  <a:schemeClr val="tx1"/>
+                </a:solidFill>
+                <a:hlinkClick r:id="rId3" action="ppaction://hlinkfile"/>
+              </a:rPr>
+              <a:t>prasadmahamulkar</a:t>
+            </a:r>
+            <a:endParaRPr lang="en-US" sz="1400">
+              <a:solidFill>
+                <a:schemeClr val="tx1"/>
+              </a:solidFill>
+            </a:endParaRPr>
           </a:p>
         </p:txBody>
       </p:sp>
@@ -4992,10 +6078,10 @@
           <a:p>
             <a:pPr algn="ctr"/>
             <a:r>
-              <a:rPr lang="en-US" sz="4400"/>
-              <a:t>RETRIEVAL</a:t>
-            </a:r>
-            <a:endParaRPr lang="en-US" sz="4400"/>
+              <a:rPr lang="en-US" sz="3400"/>
+              <a:t>FLOW DIAGRAM - INDEXING</a:t>
+            </a:r>
+            <a:endParaRPr lang="en-US" sz="3400"/>
           </a:p>
         </p:txBody>
       </p:sp>
@@ -5009,40 +6095,48 @@
             <p:ph idx="1"/>
           </p:nvPr>
         </p:nvSpPr>
-        <p:spPr/>
+        <p:spPr>
+          <a:xfrm>
+            <a:off x="1727200" y="1141730"/>
+            <a:ext cx="8823325" cy="4982845"/>
+          </a:xfrm>
+        </p:spPr>
         <p:txBody>
           <a:bodyPr/>
           <a:p>
-            <a:pPr algn="just"/>
-            <a:r>
-              <a:rPr lang="en-US" sz="3000"/>
-              <a:t>The user question is formatted to avoid spelling and grammar mistakes.</a:t>
-            </a:r>
-            <a:endParaRPr lang="en-US" sz="3000"/>
-          </a:p>
-          <a:p>
-            <a:pPr algn="just"/>
-            <a:r>
-              <a:rPr lang="en-US" sz="3000"/>
-              <a:t>NER operation is performed to get all of the organization's names from the question. Organizations should be from 10 supported ones.</a:t>
-            </a:r>
-            <a:endParaRPr lang="en-US" sz="3000"/>
-          </a:p>
-          <a:p>
-            <a:pPr algn="just"/>
-            <a:r>
-              <a:rPr lang="en-US" sz="3000"/>
-              <a:t>Corresponding vector stores of organizations present in the question are loaded to memory.</a:t>
-            </a:r>
-            <a:endParaRPr lang="en-US" sz="3000"/>
-          </a:p>
-          <a:p>
-            <a:pPr algn="just"/>
-            <a:r>
-              <a:rPr lang="en-US" sz="3000"/>
-              <a:t>FAISS similarity_search is used to retrieve the docs that are most similar to the question. The retrieved docs will be used in the next step.</a:t>
-            </a:r>
-            <a:endParaRPr lang="en-US" sz="3000"/>
+            <a:endParaRPr lang="en-US" sz="2200"/>
+          </a:p>
+          <a:p>
+            <a:pPr algn="l"/>
+            <a:r>
+              <a:rPr lang="en-US" sz="2200"/>
+              <a:t>PDFs are converted to Markdown format using the LlamaParse API. </a:t>
+            </a:r>
+            <a:endParaRPr lang="en-US" sz="2200"/>
+          </a:p>
+          <a:p>
+            <a:pPr algn="l"/>
+            <a:endParaRPr lang="en-US" sz="2200"/>
+          </a:p>
+          <a:p>
+            <a:pPr algn="l"/>
+            <a:r>
+              <a:rPr lang="en-US" sz="2200"/>
+              <a:t>The extracted text is segmented into multiple chunks using Langchains RecursiveCharacterTextSplitter. </a:t>
+            </a:r>
+            <a:endParaRPr lang="en-US" sz="2200"/>
+          </a:p>
+          <a:p>
+            <a:pPr algn="l"/>
+            <a:endParaRPr lang="en-US" sz="2200"/>
+          </a:p>
+          <a:p>
+            <a:pPr algn="l"/>
+            <a:r>
+              <a:rPr lang="en-US" sz="2200"/>
+              <a:t>These text chunks are then transformed into vector stores using FAISS with OpenAI Embeddings, and are saved for subsequent steps.</a:t>
+            </a:r>
+            <a:endParaRPr lang="en-US" sz="2200"/>
           </a:p>
         </p:txBody>
       </p:sp>
@@ -5080,10 +6174,16 @@
           <a:p>
             <a:pPr algn="ctr"/>
             <a:r>
-              <a:rPr lang="en-US" sz="4400"/>
-              <a:t>GENERATION</a:t>
-            </a:r>
-            <a:endParaRPr lang="en-US" sz="4400"/>
+              <a:rPr lang="en-US" sz="3400">
+                <a:sym typeface="+mn-ea"/>
+              </a:rPr>
+              <a:t>FLOW DIAGRAM - </a:t>
+            </a:r>
+            <a:r>
+              <a:rPr lang="en-US" sz="3400"/>
+              <a:t>RETRIEVAL</a:t>
+            </a:r>
+            <a:endParaRPr lang="en-US" sz="3400"/>
           </a:p>
         </p:txBody>
       </p:sp>
@@ -5097,43 +6197,90 @@
             <p:ph idx="1"/>
           </p:nvPr>
         </p:nvSpPr>
-        <p:spPr/>
+        <p:spPr>
+          <a:xfrm>
+            <a:off x="1623060" y="1460500"/>
+            <a:ext cx="8792210" cy="4285615"/>
+          </a:xfrm>
+        </p:spPr>
         <p:txBody>
           <a:bodyPr/>
           <a:p>
-            <a:r>
-              <a:rPr lang="en-US"/>
-              <a:t>Langchain ‘load_qa_chain’ designed for retrieval-based  QA is used.</a:t>
-            </a:r>
-            <a:endParaRPr lang="en-US"/>
-          </a:p>
-          <a:p>
-            <a:r>
-              <a:rPr lang="en-US"/>
-              <a:t>The model used in Open AI "gpt-3.5-turbo"</a:t>
-            </a:r>
-            <a:endParaRPr lang="en-US"/>
-          </a:p>
-          <a:p>
-            <a:r>
-              <a:rPr lang="en-US"/>
-              <a:t>A prompt is created with details like context and input. The “Do not makeup answers” clause is mentioned to avoid hallucinations</a:t>
-            </a:r>
-            <a:endParaRPr lang="en-US"/>
-          </a:p>
-          <a:p>
-            <a:r>
-              <a:rPr lang="en-US"/>
-              <a:t>Retrieved docs + chat history is passed as context to LLM</a:t>
-            </a:r>
-            <a:endParaRPr lang="en-US"/>
-          </a:p>
-          <a:p>
-            <a:r>
-              <a:rPr lang="en-US"/>
-              <a:t>LLM generates answers with data in the provided context.</a:t>
-            </a:r>
-            <a:endParaRPr lang="en-US"/>
+            <a:pPr algn="just"/>
+            <a:r>
+              <a:rPr lang="en-US" sz="2200">
+                <a:latin typeface="Arial" panose="020B0604020202020204" pitchFamily="34" charset="0"/>
+                <a:cs typeface="Arial" panose="020B0604020202020204" pitchFamily="34" charset="0"/>
+              </a:rPr>
+              <a:t>The user question is formatted to ensure accuracy in spelling and grammar.</a:t>
+            </a:r>
+            <a:endParaRPr lang="en-US" sz="2200">
+              <a:latin typeface="Arial" panose="020B0604020202020204" pitchFamily="34" charset="0"/>
+              <a:cs typeface="Arial" panose="020B0604020202020204" pitchFamily="34" charset="0"/>
+            </a:endParaRPr>
+          </a:p>
+          <a:p>
+            <a:pPr algn="just"/>
+            <a:endParaRPr lang="en-US" sz="2200">
+              <a:latin typeface="Arial" panose="020B0604020202020204" pitchFamily="34" charset="0"/>
+              <a:cs typeface="Arial" panose="020B0604020202020204" pitchFamily="34" charset="0"/>
+            </a:endParaRPr>
+          </a:p>
+          <a:p>
+            <a:pPr algn="just"/>
+            <a:r>
+              <a:rPr lang="en-US" sz="2200">
+                <a:latin typeface="Arial" panose="020B0604020202020204" pitchFamily="34" charset="0"/>
+                <a:cs typeface="Arial" panose="020B0604020202020204" pitchFamily="34" charset="0"/>
+              </a:rPr>
+              <a:t>Named Entity Recognition (NER) is then employed to extract names of organizations mentioned in the question, limited to ten supported ones. </a:t>
+            </a:r>
+            <a:endParaRPr lang="en-US" sz="2200">
+              <a:latin typeface="Arial" panose="020B0604020202020204" pitchFamily="34" charset="0"/>
+              <a:cs typeface="Arial" panose="020B0604020202020204" pitchFamily="34" charset="0"/>
+            </a:endParaRPr>
+          </a:p>
+          <a:p>
+            <a:pPr algn="just"/>
+            <a:endParaRPr lang="en-US" sz="2200">
+              <a:latin typeface="Arial" panose="020B0604020202020204" pitchFamily="34" charset="0"/>
+              <a:cs typeface="Arial" panose="020B0604020202020204" pitchFamily="34" charset="0"/>
+            </a:endParaRPr>
+          </a:p>
+          <a:p>
+            <a:pPr algn="just"/>
+            <a:r>
+              <a:rPr lang="en-US" sz="2200">
+                <a:latin typeface="Arial" panose="020B0604020202020204" pitchFamily="34" charset="0"/>
+                <a:cs typeface="Arial" panose="020B0604020202020204" pitchFamily="34" charset="0"/>
+              </a:rPr>
+              <a:t>The vector stores corresponding to these organizations are loaded into memory. </a:t>
+            </a:r>
+            <a:endParaRPr lang="en-US" sz="2200">
+              <a:latin typeface="Arial" panose="020B0604020202020204" pitchFamily="34" charset="0"/>
+              <a:cs typeface="Arial" panose="020B0604020202020204" pitchFamily="34" charset="0"/>
+            </a:endParaRPr>
+          </a:p>
+          <a:p>
+            <a:pPr algn="just"/>
+            <a:endParaRPr lang="en-US" sz="2200">
+              <a:latin typeface="Arial" panose="020B0604020202020204" pitchFamily="34" charset="0"/>
+              <a:cs typeface="Arial" panose="020B0604020202020204" pitchFamily="34" charset="0"/>
+            </a:endParaRPr>
+          </a:p>
+          <a:p>
+            <a:pPr algn="just"/>
+            <a:r>
+              <a:rPr lang="en-US" sz="2200">
+                <a:latin typeface="Arial" panose="020B0604020202020204" pitchFamily="34" charset="0"/>
+                <a:cs typeface="Arial" panose="020B0604020202020204" pitchFamily="34" charset="0"/>
+              </a:rPr>
+              <a:t>FAISS similarity_search is utilized to retrieve documents most closely related to the question, which will be used in the subsequent step.</a:t>
+            </a:r>
+            <a:endParaRPr lang="en-US" sz="2200">
+              <a:latin typeface="Arial" panose="020B0604020202020204" pitchFamily="34" charset="0"/>
+              <a:cs typeface="Arial" panose="020B0604020202020204" pitchFamily="34" charset="0"/>
+            </a:endParaRPr>
           </a:p>
         </p:txBody>
       </p:sp>
@@ -5146,6 +6293,60 @@
 </file>
 
 <file path=ppt/tags/tag1.xml><?xml version="1.0" encoding="utf-8"?>
+<p:tagLst xmlns:p="http://schemas.openxmlformats.org/presentationml/2006/main">
+  <p:tag name="KSO_WM_BEAUTIFY_FLAG" val=""/>
+</p:tagLst>
+</file>
+
+<file path=ppt/tags/tag10.xml><?xml version="1.0" encoding="utf-8"?>
+<p:tagLst xmlns:p="http://schemas.openxmlformats.org/presentationml/2006/main">
+  <p:tag name="KSO_WM_BEAUTIFY_FLAG" val=""/>
+</p:tagLst>
+</file>
+
+<file path=ppt/tags/tag11.xml><?xml version="1.0" encoding="utf-8"?>
+<p:tagLst xmlns:p="http://schemas.openxmlformats.org/presentationml/2006/main">
+  <p:tag name="KSO_WM_BEAUTIFY_FLAG" val=""/>
+</p:tagLst>
+</file>
+
+<file path=ppt/tags/tag12.xml><?xml version="1.0" encoding="utf-8"?>
+<p:tagLst xmlns:p="http://schemas.openxmlformats.org/presentationml/2006/main">
+  <p:tag name="KSO_WM_BEAUTIFY_FLAG" val=""/>
+</p:tagLst>
+</file>
+
+<file path=ppt/tags/tag13.xml><?xml version="1.0" encoding="utf-8"?>
+<p:tagLst xmlns:p="http://schemas.openxmlformats.org/presentationml/2006/main">
+  <p:tag name="KSO_WM_BEAUTIFY_FLAG" val=""/>
+</p:tagLst>
+</file>
+
+<file path=ppt/tags/tag14.xml><?xml version="1.0" encoding="utf-8"?>
+<p:tagLst xmlns:p="http://schemas.openxmlformats.org/presentationml/2006/main">
+  <p:tag name="KSO_WM_BEAUTIFY_FLAG" val=""/>
+</p:tagLst>
+</file>
+
+<file path=ppt/tags/tag15.xml><?xml version="1.0" encoding="utf-8"?>
+<p:tagLst xmlns:p="http://schemas.openxmlformats.org/presentationml/2006/main">
+  <p:tag name="KSO_WM_BEAUTIFY_FLAG" val=""/>
+</p:tagLst>
+</file>
+
+<file path=ppt/tags/tag16.xml><?xml version="1.0" encoding="utf-8"?>
+<p:tagLst xmlns:p="http://schemas.openxmlformats.org/presentationml/2006/main">
+  <p:tag name="KSO_WM_BEAUTIFY_FLAG" val=""/>
+</p:tagLst>
+</file>
+
+<file path=ppt/tags/tag17.xml><?xml version="1.0" encoding="utf-8"?>
+<p:tagLst xmlns:p="http://schemas.openxmlformats.org/presentationml/2006/main">
+  <p:tag name="KSO_WM_BEAUTIFY_FLAG" val=""/>
+</p:tagLst>
+</file>
+
+<file path=ppt/tags/tag18.xml><?xml version="1.0" encoding="utf-8"?>
 <p:tagLst xmlns:p="http://schemas.openxmlformats.org/presentationml/2006/main">
   <p:tag name="KSO_WM_BEAUTIFY_FLAG" val=""/>
 </p:tagLst>
